--- a/Real-Time Cadansaanpassing in een Automatische Fietstransmissie2.0.pptx
+++ b/Real-Time Cadansaanpassing in een Automatische Fietstransmissie2.0.pptx
@@ -6381,8 +6381,8 @@
               <a:buNone/>
             </a:pPr>
             <a:r>
-              <a:rPr lang="en-US" dirty="0"/>
-              <a:t>+ Noise</a:t>
+              <a:rPr lang="nl-BE" dirty="0"/>
+              <a:t>+- Consistentie</a:t>
             </a:r>
           </a:p>
           <a:p>
@@ -6391,21 +6391,18 @@
               <a:buChar char="-"/>
             </a:pPr>
             <a:r>
-              <a:rPr lang="en-US" dirty="0" err="1"/>
+              <a:rPr lang="nl-BE" dirty="0"/>
               <a:t>Snelheid</a:t>
             </a:r>
-            <a:endParaRPr lang="en-US" dirty="0"/>
-          </a:p>
-          <a:p>
-            <a:pPr>
-              <a:buFontTx/>
-              <a:buChar char="-"/>
+          </a:p>
+          <a:p>
+            <a:pPr marL="0" indent="0">
+              <a:buNone/>
             </a:pPr>
             <a:r>
-              <a:rPr lang="en-US" dirty="0"/>
-              <a:t>Online</a:t>
-            </a:r>
-            <a:endParaRPr lang="nl-BE" dirty="0"/>
+              <a:rPr lang="nl-BE" dirty="0"/>
+              <a:t>(niet meer aangehaald)</a:t>
+            </a:r>
           </a:p>
         </p:txBody>
       </p:sp>
@@ -6494,6 +6491,108 @@
               <a:t>LSTM</a:t>
             </a:r>
             <a:endParaRPr lang="nl-BE" dirty="0"/>
+          </a:p>
+        </p:txBody>
+      </p:sp>
+      <p:pic>
+        <p:nvPicPr>
+          <p:cNvPr id="7" name="Picture 6">
+            <a:extLst>
+              <a:ext uri="{FF2B5EF4-FFF2-40B4-BE49-F238E27FC236}">
+                <a16:creationId xmlns:a16="http://schemas.microsoft.com/office/drawing/2014/main" id="{CA94B648-A8B6-45E0-9E46-753C4DEE1ED3}"/>
+              </a:ext>
+            </a:extLst>
+          </p:cNvPr>
+          <p:cNvPicPr>
+            <a:picLocks noChangeAspect="1"/>
+          </p:cNvPicPr>
+          <p:nvPr/>
+        </p:nvPicPr>
+        <p:blipFill>
+          <a:blip r:embed="rId2"/>
+          <a:stretch>
+            <a:fillRect/>
+          </a:stretch>
+        </p:blipFill>
+        <p:spPr>
+          <a:xfrm>
+            <a:off x="5482200" y="1359036"/>
+            <a:ext cx="6096000" cy="4572000"/>
+          </a:xfrm>
+          <a:prstGeom prst="rect">
+            <a:avLst/>
+          </a:prstGeom>
+        </p:spPr>
+      </p:pic>
+      <p:sp>
+        <p:nvSpPr>
+          <p:cNvPr id="8" name="TextBox 7">
+            <a:extLst>
+              <a:ext uri="{FF2B5EF4-FFF2-40B4-BE49-F238E27FC236}">
+                <a16:creationId xmlns:a16="http://schemas.microsoft.com/office/drawing/2014/main" id="{99A93B18-F073-44B7-AFFC-434EA385F542}"/>
+              </a:ext>
+            </a:extLst>
+          </p:cNvPr>
+          <p:cNvSpPr txBox="1"/>
+          <p:nvPr/>
+        </p:nvSpPr>
+        <p:spPr>
+          <a:xfrm>
+            <a:off x="5366523" y="1576777"/>
+            <a:ext cx="729477" cy="261610"/>
+          </a:xfrm>
+          <a:prstGeom prst="rect">
+            <a:avLst/>
+          </a:prstGeom>
+          <a:noFill/>
+        </p:spPr>
+        <p:txBody>
+          <a:bodyPr wrap="square" rtlCol="0">
+            <a:spAutoFit/>
+          </a:bodyPr>
+          <a:lstStyle/>
+          <a:p>
+            <a:r>
+              <a:rPr lang="en-US" sz="1050" dirty="0"/>
+              <a:t>rpm</a:t>
+            </a:r>
+            <a:endParaRPr lang="nl-BE" sz="1050" dirty="0"/>
+          </a:p>
+        </p:txBody>
+      </p:sp>
+      <p:sp>
+        <p:nvSpPr>
+          <p:cNvPr id="9" name="TextBox 8">
+            <a:extLst>
+              <a:ext uri="{FF2B5EF4-FFF2-40B4-BE49-F238E27FC236}">
+                <a16:creationId xmlns:a16="http://schemas.microsoft.com/office/drawing/2014/main" id="{9CBA0596-E2D4-4510-81A8-D209F83AB1A5}"/>
+              </a:ext>
+            </a:extLst>
+          </p:cNvPr>
+          <p:cNvSpPr txBox="1"/>
+          <p:nvPr/>
+        </p:nvSpPr>
+        <p:spPr>
+          <a:xfrm>
+            <a:off x="10964400" y="5845231"/>
+            <a:ext cx="729477" cy="261610"/>
+          </a:xfrm>
+          <a:prstGeom prst="rect">
+            <a:avLst/>
+          </a:prstGeom>
+          <a:noFill/>
+        </p:spPr>
+        <p:txBody>
+          <a:bodyPr wrap="square" rtlCol="0">
+            <a:spAutoFit/>
+          </a:bodyPr>
+          <a:lstStyle/>
+          <a:p>
+            <a:r>
+              <a:rPr lang="en-US" sz="1050" dirty="0"/>
+              <a:t>t (ds)</a:t>
+            </a:r>
+            <a:endParaRPr lang="nl-BE" sz="1050" dirty="0"/>
           </a:p>
         </p:txBody>
       </p:sp>

--- a/Real-Time Cadansaanpassing in een Automatische Fietstransmissie2.0.pptx
+++ b/Real-Time Cadansaanpassing in een Automatische Fietstransmissie2.0.pptx
@@ -6,10 +6,10 @@
     <p:sldMasterId id="2147483694" r:id="rId2"/>
   </p:sldMasterIdLst>
   <p:notesMasterIdLst>
-    <p:notesMasterId r:id="rId29"/>
+    <p:notesMasterId r:id="rId30"/>
   </p:notesMasterIdLst>
   <p:handoutMasterIdLst>
-    <p:handoutMasterId r:id="rId30"/>
+    <p:handoutMasterId r:id="rId31"/>
   </p:handoutMasterIdLst>
   <p:sldIdLst>
     <p:sldId id="256" r:id="rId3"/>
@@ -28,16 +28,17 @@
     <p:sldId id="262" r:id="rId16"/>
     <p:sldId id="272" r:id="rId17"/>
     <p:sldId id="273" r:id="rId18"/>
-    <p:sldId id="274" r:id="rId19"/>
-    <p:sldId id="275" r:id="rId20"/>
-    <p:sldId id="263" r:id="rId21"/>
-    <p:sldId id="276" r:id="rId22"/>
-    <p:sldId id="278" r:id="rId23"/>
-    <p:sldId id="279" r:id="rId24"/>
-    <p:sldId id="280" r:id="rId25"/>
-    <p:sldId id="281" r:id="rId26"/>
-    <p:sldId id="264" r:id="rId27"/>
-    <p:sldId id="277" r:id="rId28"/>
+    <p:sldId id="282" r:id="rId19"/>
+    <p:sldId id="274" r:id="rId20"/>
+    <p:sldId id="275" r:id="rId21"/>
+    <p:sldId id="263" r:id="rId22"/>
+    <p:sldId id="276" r:id="rId23"/>
+    <p:sldId id="278" r:id="rId24"/>
+    <p:sldId id="279" r:id="rId25"/>
+    <p:sldId id="280" r:id="rId26"/>
+    <p:sldId id="281" r:id="rId27"/>
+    <p:sldId id="264" r:id="rId28"/>
+    <p:sldId id="277" r:id="rId29"/>
   </p:sldIdLst>
   <p:sldSz cx="12192000" cy="6858000"/>
   <p:notesSz cx="6858000" cy="9144000"/>
@@ -263,7 +264,7 @@
           <a:p>
             <a:fld id="{8F591CCF-F6FD-734B-854A-5BC033593B1E}" type="datetimeFigureOut">
               <a:rPr lang="nl-NL" smtClean="0"/>
-              <a:t>13-12-2018</a:t>
+              <a:t>15-12-2018</a:t>
             </a:fld>
             <a:endParaRPr lang="nl-NL"/>
           </a:p>
@@ -428,7 +429,7 @@
           <a:p>
             <a:fld id="{23C66214-DB21-4647-B5DA-0D17CA592867}" type="datetimeFigureOut">
               <a:rPr lang="nl-NL" smtClean="0"/>
-              <a:t>13-12-2018</a:t>
+              <a:t>15-12-2018</a:t>
             </a:fld>
             <a:endParaRPr lang="nl-NL"/>
           </a:p>
@@ -1417,7 +1418,7 @@
           <a:p>
             <a:fld id="{C09EA886-85E2-45CD-A0E5-ECFC4717866C}" type="datetime1">
               <a:rPr lang="nl-BE" smtClean="0"/>
-              <a:t>13/12/2018</a:t>
+              <a:t>15/12/2018</a:t>
             </a:fld>
             <a:endParaRPr lang="nl-NL"/>
           </a:p>
@@ -1700,7 +1701,7 @@
           <a:p>
             <a:fld id="{DDB23B2A-8A39-4970-8386-180A15207335}" type="datetime1">
               <a:rPr lang="nl-BE" smtClean="0"/>
-              <a:t>13/12/2018</a:t>
+              <a:t>15/12/2018</a:t>
             </a:fld>
             <a:endParaRPr lang="nl-NL"/>
           </a:p>
@@ -2030,7 +2031,7 @@
           <a:p>
             <a:fld id="{823352FD-F622-43D4-BA4A-9D35F096A934}" type="datetime1">
               <a:rPr lang="nl-BE" smtClean="0"/>
-              <a:t>13/12/2018</a:t>
+              <a:t>15/12/2018</a:t>
             </a:fld>
             <a:endParaRPr lang="nl-NL"/>
           </a:p>
@@ -2350,7 +2351,7 @@
           <a:p>
             <a:fld id="{D6D796BF-9B99-4036-948B-01D5A0559DCA}" type="datetime1">
               <a:rPr lang="nl-BE" smtClean="0"/>
-              <a:t>13/12/2018</a:t>
+              <a:t>15/12/2018</a:t>
             </a:fld>
             <a:endParaRPr lang="nl-NL" dirty="0"/>
           </a:p>
@@ -2671,7 +2672,7 @@
           <a:p>
             <a:fld id="{B34EAD62-348D-4264-9C99-9232C17D3126}" type="datetime1">
               <a:rPr lang="nl-BE" smtClean="0"/>
-              <a:t>13/12/2018</a:t>
+              <a:t>15/12/2018</a:t>
             </a:fld>
             <a:endParaRPr lang="nl-NL" dirty="0"/>
           </a:p>
@@ -2813,7 +2814,7 @@
           <a:p>
             <a:fld id="{BAA21046-B277-402B-8F93-07646078DA0E}" type="datetime1">
               <a:rPr lang="nl-BE" smtClean="0"/>
-              <a:t>13/12/2018</a:t>
+              <a:t>15/12/2018</a:t>
             </a:fld>
             <a:endParaRPr lang="nl-NL"/>
           </a:p>
@@ -3297,7 +3298,7 @@
           <a:p>
             <a:fld id="{21E03648-662E-4B1E-A4B9-DAFAA411CA72}" type="datetime1">
               <a:rPr lang="nl-BE" smtClean="0"/>
-              <a:t>13/12/2018</a:t>
+              <a:t>15/12/2018</a:t>
             </a:fld>
             <a:endParaRPr lang="nl-NL" dirty="0"/>
           </a:p>
@@ -3418,7 +3419,7 @@
           <a:p>
             <a:fld id="{CA7D9F3D-CC80-4B7A-9418-FC428A3D98F9}" type="datetime1">
               <a:rPr lang="nl-BE" smtClean="0"/>
-              <a:t>13/12/2018</a:t>
+              <a:t>15/12/2018</a:t>
             </a:fld>
             <a:endParaRPr lang="nl-NL"/>
           </a:p>
@@ -3539,7 +3540,7 @@
           <a:p>
             <a:fld id="{D0BE373E-6873-4A3B-A29F-548CC9FCCE0D}" type="datetime1">
               <a:rPr lang="nl-BE" smtClean="0"/>
-              <a:t>13/12/2018</a:t>
+              <a:t>15/12/2018</a:t>
             </a:fld>
             <a:endParaRPr lang="nl-NL"/>
           </a:p>
@@ -3721,7 +3722,7 @@
           <a:p>
             <a:fld id="{2AC5A35D-2289-4820-83DC-B1C0114FF41C}" type="datetime1">
               <a:rPr lang="nl-BE" smtClean="0"/>
-              <a:t>13/12/2018</a:t>
+              <a:t>15/12/2018</a:t>
             </a:fld>
             <a:endParaRPr lang="nl-NL" dirty="0"/>
           </a:p>
@@ -4005,7 +4006,7 @@
           <a:p>
             <a:fld id="{07AFB116-F0AC-40E0-96E1-23007D0A2895}" type="datetime1">
               <a:rPr lang="nl-BE" smtClean="0"/>
-              <a:t>13/12/2018</a:t>
+              <a:t>15/12/2018</a:t>
             </a:fld>
             <a:endParaRPr lang="nl-NL" dirty="0"/>
           </a:p>
@@ -4646,7 +4647,7 @@
           <a:p>
             <a:fld id="{FE8AB726-EA72-4E74-8E27-5E29D4D87BE7}" type="datetime1">
               <a:rPr lang="nl-BE" smtClean="0"/>
-              <a:t>13/12/2018</a:t>
+              <a:t>15/12/2018</a:t>
             </a:fld>
             <a:endParaRPr lang="nl-NL" dirty="0"/>
           </a:p>
@@ -5712,44 +5713,66 @@
           </a:p>
         </p:txBody>
       </p:sp>
-      <p:sp>
-        <p:nvSpPr>
-          <p:cNvPr id="6" name="TextBox 5">
-            <a:extLst>
-              <a:ext uri="{FF2B5EF4-FFF2-40B4-BE49-F238E27FC236}">
-                <a16:creationId xmlns:a16="http://schemas.microsoft.com/office/drawing/2014/main" id="{26BF0E6D-4EA5-4C33-AB84-935803AB944D}"/>
-              </a:ext>
-            </a:extLst>
-          </p:cNvPr>
-          <p:cNvSpPr txBox="1"/>
+      <p:pic>
+        <p:nvPicPr>
+          <p:cNvPr id="12" name="Picture 11">
+            <a:extLst>
+              <a:ext uri="{FF2B5EF4-FFF2-40B4-BE49-F238E27FC236}">
+                <a16:creationId xmlns:a16="http://schemas.microsoft.com/office/drawing/2014/main" id="{7EF3E87B-FCDB-4F58-A032-25384DCAA940}"/>
+              </a:ext>
+            </a:extLst>
+          </p:cNvPr>
+          <p:cNvPicPr>
+            <a:picLocks noChangeAspect="1"/>
+          </p:cNvPicPr>
           <p:nvPr/>
-        </p:nvSpPr>
+        </p:nvPicPr>
+        <p:blipFill>
+          <a:blip r:embed="rId2"/>
+          <a:stretch>
+            <a:fillRect/>
+          </a:stretch>
+        </p:blipFill>
         <p:spPr>
           <a:xfrm>
-            <a:off x="8140112" y="1823780"/>
-            <a:ext cx="2337738" cy="646331"/>
+            <a:off x="7568949" y="3173812"/>
+            <a:ext cx="4048251" cy="3036188"/>
           </a:xfrm>
           <a:prstGeom prst="rect">
             <a:avLst/>
           </a:prstGeom>
-          <a:noFill/>
         </p:spPr>
-        <p:txBody>
-          <a:bodyPr wrap="square" rtlCol="0">
-            <a:spAutoFit/>
-          </a:bodyPr>
-          <a:lstStyle/>
-          <a:p>
-            <a:r>
-              <a:rPr lang="en-US" dirty="0"/>
-              <a:t>INSERT FOTO HIER</a:t>
-            </a:r>
-          </a:p>
-          <a:p>
-            <a:endParaRPr lang="nl-BE" dirty="0"/>
-          </a:p>
-        </p:txBody>
-      </p:sp>
+      </p:pic>
+      <p:pic>
+        <p:nvPicPr>
+          <p:cNvPr id="14" name="Picture 13">
+            <a:extLst>
+              <a:ext uri="{FF2B5EF4-FFF2-40B4-BE49-F238E27FC236}">
+                <a16:creationId xmlns:a16="http://schemas.microsoft.com/office/drawing/2014/main" id="{5F7121AF-8BA4-4AD4-B4E6-1ADAF61AE116}"/>
+              </a:ext>
+            </a:extLst>
+          </p:cNvPr>
+          <p:cNvPicPr>
+            <a:picLocks noChangeAspect="1"/>
+          </p:cNvPicPr>
+          <p:nvPr/>
+        </p:nvPicPr>
+        <p:blipFill>
+          <a:blip r:embed="rId3"/>
+          <a:stretch>
+            <a:fillRect/>
+          </a:stretch>
+        </p:blipFill>
+        <p:spPr>
+          <a:xfrm>
+            <a:off x="7567749" y="209248"/>
+            <a:ext cx="4048251" cy="3036188"/>
+          </a:xfrm>
+          <a:prstGeom prst="rect">
+            <a:avLst/>
+          </a:prstGeom>
+        </p:spPr>
+      </p:pic>
     </p:spTree>
     <p:extLst>
       <p:ext uri="{BB962C8B-B14F-4D97-AF65-F5344CB8AC3E}">
@@ -6382,7 +6405,7 @@
             </a:pPr>
             <a:r>
               <a:rPr lang="nl-BE" dirty="0"/>
-              <a:t>+- Consistentie</a:t>
+              <a:t>- Consistentie</a:t>
             </a:r>
           </a:p>
           <a:p>
@@ -6393,15 +6416,6 @@
             <a:r>
               <a:rPr lang="nl-BE" dirty="0"/>
               <a:t>Snelheid</a:t>
-            </a:r>
-          </a:p>
-          <a:p>
-            <a:pPr marL="0" indent="0">
-              <a:buNone/>
-            </a:pPr>
-            <a:r>
-              <a:rPr lang="nl-BE" dirty="0"/>
-              <a:t>(niet meer aangehaald)</a:t>
             </a:r>
           </a:p>
         </p:txBody>
@@ -6494,12 +6508,84 @@
           </a:p>
         </p:txBody>
       </p:sp>
+      <p:sp>
+        <p:nvSpPr>
+          <p:cNvPr id="8" name="TextBox 7">
+            <a:extLst>
+              <a:ext uri="{FF2B5EF4-FFF2-40B4-BE49-F238E27FC236}">
+                <a16:creationId xmlns:a16="http://schemas.microsoft.com/office/drawing/2014/main" id="{99A93B18-F073-44B7-AFFC-434EA385F542}"/>
+              </a:ext>
+            </a:extLst>
+          </p:cNvPr>
+          <p:cNvSpPr txBox="1"/>
+          <p:nvPr/>
+        </p:nvSpPr>
+        <p:spPr>
+          <a:xfrm>
+            <a:off x="5366523" y="1576777"/>
+            <a:ext cx="729477" cy="261610"/>
+          </a:xfrm>
+          <a:prstGeom prst="rect">
+            <a:avLst/>
+          </a:prstGeom>
+          <a:noFill/>
+        </p:spPr>
+        <p:txBody>
+          <a:bodyPr wrap="square" rtlCol="0">
+            <a:spAutoFit/>
+          </a:bodyPr>
+          <a:lstStyle/>
+          <a:p>
+            <a:r>
+              <a:rPr lang="en-US" sz="1050" dirty="0"/>
+              <a:t>rpm</a:t>
+            </a:r>
+            <a:endParaRPr lang="nl-BE" sz="1050" dirty="0"/>
+          </a:p>
+        </p:txBody>
+      </p:sp>
+      <p:sp>
+        <p:nvSpPr>
+          <p:cNvPr id="9" name="TextBox 8">
+            <a:extLst>
+              <a:ext uri="{FF2B5EF4-FFF2-40B4-BE49-F238E27FC236}">
+                <a16:creationId xmlns:a16="http://schemas.microsoft.com/office/drawing/2014/main" id="{9CBA0596-E2D4-4510-81A8-D209F83AB1A5}"/>
+              </a:ext>
+            </a:extLst>
+          </p:cNvPr>
+          <p:cNvSpPr txBox="1"/>
+          <p:nvPr/>
+        </p:nvSpPr>
+        <p:spPr>
+          <a:xfrm>
+            <a:off x="10964400" y="5845231"/>
+            <a:ext cx="729477" cy="261610"/>
+          </a:xfrm>
+          <a:prstGeom prst="rect">
+            <a:avLst/>
+          </a:prstGeom>
+          <a:noFill/>
+        </p:spPr>
+        <p:txBody>
+          <a:bodyPr wrap="square" rtlCol="0">
+            <a:spAutoFit/>
+          </a:bodyPr>
+          <a:lstStyle/>
+          <a:p>
+            <a:r>
+              <a:rPr lang="en-US" sz="1050" dirty="0"/>
+              <a:t>t (ds)</a:t>
+            </a:r>
+            <a:endParaRPr lang="nl-BE" sz="1050" dirty="0"/>
+          </a:p>
+        </p:txBody>
+      </p:sp>
       <p:pic>
         <p:nvPicPr>
-          <p:cNvPr id="7" name="Picture 6">
-            <a:extLst>
-              <a:ext uri="{FF2B5EF4-FFF2-40B4-BE49-F238E27FC236}">
-                <a16:creationId xmlns:a16="http://schemas.microsoft.com/office/drawing/2014/main" id="{CA94B648-A8B6-45E0-9E46-753C4DEE1ED3}"/>
+          <p:cNvPr id="10" name="Picture 9">
+            <a:extLst>
+              <a:ext uri="{FF2B5EF4-FFF2-40B4-BE49-F238E27FC236}">
+                <a16:creationId xmlns:a16="http://schemas.microsoft.com/office/drawing/2014/main" id="{56B8A071-F06A-42A9-A9DE-147BF17FDEDA}"/>
               </a:ext>
             </a:extLst>
           </p:cNvPr>
@@ -6516,7 +6602,7 @@
         </p:blipFill>
         <p:spPr>
           <a:xfrm>
-            <a:off x="5482200" y="1359036"/>
+            <a:off x="5731261" y="1273231"/>
             <a:ext cx="6096000" cy="4572000"/>
           </a:xfrm>
           <a:prstGeom prst="rect">
@@ -6524,78 +6610,6 @@
           </a:prstGeom>
         </p:spPr>
       </p:pic>
-      <p:sp>
-        <p:nvSpPr>
-          <p:cNvPr id="8" name="TextBox 7">
-            <a:extLst>
-              <a:ext uri="{FF2B5EF4-FFF2-40B4-BE49-F238E27FC236}">
-                <a16:creationId xmlns:a16="http://schemas.microsoft.com/office/drawing/2014/main" id="{99A93B18-F073-44B7-AFFC-434EA385F542}"/>
-              </a:ext>
-            </a:extLst>
-          </p:cNvPr>
-          <p:cNvSpPr txBox="1"/>
-          <p:nvPr/>
-        </p:nvSpPr>
-        <p:spPr>
-          <a:xfrm>
-            <a:off x="5366523" y="1576777"/>
-            <a:ext cx="729477" cy="261610"/>
-          </a:xfrm>
-          <a:prstGeom prst="rect">
-            <a:avLst/>
-          </a:prstGeom>
-          <a:noFill/>
-        </p:spPr>
-        <p:txBody>
-          <a:bodyPr wrap="square" rtlCol="0">
-            <a:spAutoFit/>
-          </a:bodyPr>
-          <a:lstStyle/>
-          <a:p>
-            <a:r>
-              <a:rPr lang="en-US" sz="1050" dirty="0"/>
-              <a:t>rpm</a:t>
-            </a:r>
-            <a:endParaRPr lang="nl-BE" sz="1050" dirty="0"/>
-          </a:p>
-        </p:txBody>
-      </p:sp>
-      <p:sp>
-        <p:nvSpPr>
-          <p:cNvPr id="9" name="TextBox 8">
-            <a:extLst>
-              <a:ext uri="{FF2B5EF4-FFF2-40B4-BE49-F238E27FC236}">
-                <a16:creationId xmlns:a16="http://schemas.microsoft.com/office/drawing/2014/main" id="{9CBA0596-E2D4-4510-81A8-D209F83AB1A5}"/>
-              </a:ext>
-            </a:extLst>
-          </p:cNvPr>
-          <p:cNvSpPr txBox="1"/>
-          <p:nvPr/>
-        </p:nvSpPr>
-        <p:spPr>
-          <a:xfrm>
-            <a:off x="10964400" y="5845231"/>
-            <a:ext cx="729477" cy="261610"/>
-          </a:xfrm>
-          <a:prstGeom prst="rect">
-            <a:avLst/>
-          </a:prstGeom>
-          <a:noFill/>
-        </p:spPr>
-        <p:txBody>
-          <a:bodyPr wrap="square" rtlCol="0">
-            <a:spAutoFit/>
-          </a:bodyPr>
-          <a:lstStyle/>
-          <a:p>
-            <a:r>
-              <a:rPr lang="en-US" sz="1050" dirty="0"/>
-              <a:t>t (ds)</a:t>
-            </a:r>
-            <a:endParaRPr lang="nl-BE" sz="1050" dirty="0"/>
-          </a:p>
-        </p:txBody>
-      </p:sp>
     </p:spTree>
     <p:extLst>
       <p:ext uri="{BB962C8B-B14F-4D97-AF65-F5344CB8AC3E}">
@@ -6628,6 +6642,276 @@
       </p:grpSpPr>
       <p:sp>
         <p:nvSpPr>
+          <p:cNvPr id="2" name="Content Placeholder 1">
+            <a:extLst>
+              <a:ext uri="{FF2B5EF4-FFF2-40B4-BE49-F238E27FC236}">
+                <a16:creationId xmlns:a16="http://schemas.microsoft.com/office/drawing/2014/main" id="{4BE0AB1D-C3BC-4756-87A0-86437524B340}"/>
+              </a:ext>
+            </a:extLst>
+          </p:cNvPr>
+          <p:cNvSpPr>
+            <a:spLocks noGrp="1"/>
+          </p:cNvSpPr>
+          <p:nvPr>
+            <p:ph idx="1"/>
+          </p:nvPr>
+        </p:nvSpPr>
+        <p:spPr/>
+        <p:txBody>
+          <a:bodyPr/>
+          <a:lstStyle/>
+          <a:p>
+            <a:pPr marL="0" indent="0">
+              <a:buNone/>
+            </a:pPr>
+            <a:r>
+              <a:rPr lang="nl-BE" dirty="0"/>
+              <a:t>- Consistentie</a:t>
+            </a:r>
+          </a:p>
+          <a:p>
+            <a:pPr>
+              <a:buFontTx/>
+              <a:buChar char="-"/>
+            </a:pPr>
+            <a:r>
+              <a:rPr lang="nl-BE" dirty="0"/>
+              <a:t>Snelheid</a:t>
+            </a:r>
+          </a:p>
+          <a:p>
+            <a:pPr marL="0" indent="0">
+              <a:buNone/>
+            </a:pPr>
+            <a:r>
+              <a:rPr lang="nl-BE" dirty="0"/>
+              <a:t>(wordt niet meer aangehaald)</a:t>
+            </a:r>
+          </a:p>
+        </p:txBody>
+      </p:sp>
+      <p:sp>
+        <p:nvSpPr>
+          <p:cNvPr id="3" name="Footer Placeholder 2">
+            <a:extLst>
+              <a:ext uri="{FF2B5EF4-FFF2-40B4-BE49-F238E27FC236}">
+                <a16:creationId xmlns:a16="http://schemas.microsoft.com/office/drawing/2014/main" id="{6EE5C236-CF6D-4330-BF47-82E310153E12}"/>
+              </a:ext>
+            </a:extLst>
+          </p:cNvPr>
+          <p:cNvSpPr>
+            <a:spLocks noGrp="1"/>
+          </p:cNvSpPr>
+          <p:nvPr>
+            <p:ph type="ftr" sz="quarter" idx="11"/>
+          </p:nvPr>
+        </p:nvSpPr>
+        <p:spPr/>
+        <p:txBody>
+          <a:bodyPr/>
+          <a:lstStyle/>
+          <a:p>
+            <a:r>
+              <a:rPr lang="nl-NL"/>
+              <a:t>Faculteit Wetenschappen, Departement Computerwetenschappen</a:t>
+            </a:r>
+          </a:p>
+        </p:txBody>
+      </p:sp>
+      <p:sp>
+        <p:nvSpPr>
+          <p:cNvPr id="4" name="Slide Number Placeholder 3">
+            <a:extLst>
+              <a:ext uri="{FF2B5EF4-FFF2-40B4-BE49-F238E27FC236}">
+                <a16:creationId xmlns:a16="http://schemas.microsoft.com/office/drawing/2014/main" id="{AF5740C1-CBF9-4112-8C5A-46B699CC9351}"/>
+              </a:ext>
+            </a:extLst>
+          </p:cNvPr>
+          <p:cNvSpPr>
+            <a:spLocks noGrp="1"/>
+          </p:cNvSpPr>
+          <p:nvPr>
+            <p:ph type="sldNum" sz="quarter" idx="12"/>
+          </p:nvPr>
+        </p:nvSpPr>
+        <p:spPr/>
+        <p:txBody>
+          <a:bodyPr/>
+          <a:lstStyle/>
+          <a:p>
+            <a:fld id="{0A297500-7527-634B-90F4-69D0994C32B4}" type="slidenum">
+              <a:rPr lang="nl-NL" smtClean="0"/>
+              <a:t>17</a:t>
+            </a:fld>
+            <a:endParaRPr lang="nl-NL"/>
+          </a:p>
+        </p:txBody>
+      </p:sp>
+      <p:sp>
+        <p:nvSpPr>
+          <p:cNvPr id="5" name="Title 4">
+            <a:extLst>
+              <a:ext uri="{FF2B5EF4-FFF2-40B4-BE49-F238E27FC236}">
+                <a16:creationId xmlns:a16="http://schemas.microsoft.com/office/drawing/2014/main" id="{689E2550-5F8A-4984-964B-85EEA9B54620}"/>
+              </a:ext>
+            </a:extLst>
+          </p:cNvPr>
+          <p:cNvSpPr>
+            <a:spLocks noGrp="1"/>
+          </p:cNvSpPr>
+          <p:nvPr>
+            <p:ph type="title"/>
+          </p:nvPr>
+        </p:nvSpPr>
+        <p:spPr/>
+        <p:txBody>
+          <a:bodyPr>
+            <a:normAutofit/>
+          </a:bodyPr>
+          <a:lstStyle/>
+          <a:p>
+            <a:r>
+              <a:rPr lang="en-US" dirty="0"/>
+              <a:t>LSTM</a:t>
+            </a:r>
+            <a:endParaRPr lang="nl-BE" dirty="0"/>
+          </a:p>
+        </p:txBody>
+      </p:sp>
+      <p:sp>
+        <p:nvSpPr>
+          <p:cNvPr id="8" name="TextBox 7">
+            <a:extLst>
+              <a:ext uri="{FF2B5EF4-FFF2-40B4-BE49-F238E27FC236}">
+                <a16:creationId xmlns:a16="http://schemas.microsoft.com/office/drawing/2014/main" id="{99A93B18-F073-44B7-AFFC-434EA385F542}"/>
+              </a:ext>
+            </a:extLst>
+          </p:cNvPr>
+          <p:cNvSpPr txBox="1"/>
+          <p:nvPr/>
+        </p:nvSpPr>
+        <p:spPr>
+          <a:xfrm>
+            <a:off x="5366523" y="1576777"/>
+            <a:ext cx="729477" cy="261610"/>
+          </a:xfrm>
+          <a:prstGeom prst="rect">
+            <a:avLst/>
+          </a:prstGeom>
+          <a:noFill/>
+        </p:spPr>
+        <p:txBody>
+          <a:bodyPr wrap="square" rtlCol="0">
+            <a:spAutoFit/>
+          </a:bodyPr>
+          <a:lstStyle/>
+          <a:p>
+            <a:r>
+              <a:rPr lang="en-US" sz="1050" dirty="0"/>
+              <a:t>rpm</a:t>
+            </a:r>
+            <a:endParaRPr lang="nl-BE" sz="1050" dirty="0"/>
+          </a:p>
+        </p:txBody>
+      </p:sp>
+      <p:sp>
+        <p:nvSpPr>
+          <p:cNvPr id="9" name="TextBox 8">
+            <a:extLst>
+              <a:ext uri="{FF2B5EF4-FFF2-40B4-BE49-F238E27FC236}">
+                <a16:creationId xmlns:a16="http://schemas.microsoft.com/office/drawing/2014/main" id="{9CBA0596-E2D4-4510-81A8-D209F83AB1A5}"/>
+              </a:ext>
+            </a:extLst>
+          </p:cNvPr>
+          <p:cNvSpPr txBox="1"/>
+          <p:nvPr/>
+        </p:nvSpPr>
+        <p:spPr>
+          <a:xfrm>
+            <a:off x="10964400" y="5845231"/>
+            <a:ext cx="729477" cy="261610"/>
+          </a:xfrm>
+          <a:prstGeom prst="rect">
+            <a:avLst/>
+          </a:prstGeom>
+          <a:noFill/>
+        </p:spPr>
+        <p:txBody>
+          <a:bodyPr wrap="square" rtlCol="0">
+            <a:spAutoFit/>
+          </a:bodyPr>
+          <a:lstStyle/>
+          <a:p>
+            <a:r>
+              <a:rPr lang="en-US" sz="1050" dirty="0"/>
+              <a:t>t (ds)</a:t>
+            </a:r>
+            <a:endParaRPr lang="nl-BE" sz="1050" dirty="0"/>
+          </a:p>
+        </p:txBody>
+      </p:sp>
+      <p:pic>
+        <p:nvPicPr>
+          <p:cNvPr id="7" name="Picture 6">
+            <a:extLst>
+              <a:ext uri="{FF2B5EF4-FFF2-40B4-BE49-F238E27FC236}">
+                <a16:creationId xmlns:a16="http://schemas.microsoft.com/office/drawing/2014/main" id="{1F88208C-CF9D-4AFA-827E-3FFC8BC6C09B}"/>
+              </a:ext>
+            </a:extLst>
+          </p:cNvPr>
+          <p:cNvPicPr>
+            <a:picLocks noChangeAspect="1"/>
+          </p:cNvPicPr>
+          <p:nvPr/>
+        </p:nvPicPr>
+        <p:blipFill>
+          <a:blip r:embed="rId2"/>
+          <a:stretch>
+            <a:fillRect/>
+          </a:stretch>
+        </p:blipFill>
+        <p:spPr>
+          <a:xfrm>
+            <a:off x="5731261" y="1273231"/>
+            <a:ext cx="6096000" cy="4572000"/>
+          </a:xfrm>
+          <a:prstGeom prst="rect">
+            <a:avLst/>
+          </a:prstGeom>
+        </p:spPr>
+      </p:pic>
+    </p:spTree>
+    <p:extLst>
+      <p:ext uri="{BB962C8B-B14F-4D97-AF65-F5344CB8AC3E}">
+        <p14:creationId xmlns:p14="http://schemas.microsoft.com/office/powerpoint/2010/main" val="3146651221"/>
+      </p:ext>
+    </p:extLst>
+  </p:cSld>
+  <p:clrMapOvr>
+    <a:masterClrMapping/>
+  </p:clrMapOvr>
+</p:sld>
+</file>
+
+<file path=ppt/slides/slide18.xml><?xml version="1.0" encoding="utf-8"?>
+<p:sld xmlns:a="http://schemas.openxmlformats.org/drawingml/2006/main" xmlns:r="http://schemas.openxmlformats.org/officeDocument/2006/relationships" xmlns:p="http://schemas.openxmlformats.org/presentationml/2006/main">
+  <p:cSld>
+    <p:spTree>
+      <p:nvGrpSpPr>
+        <p:cNvPr id="1" name=""/>
+        <p:cNvGrpSpPr/>
+        <p:nvPr/>
+      </p:nvGrpSpPr>
+      <p:grpSpPr>
+        <a:xfrm>
+          <a:off x="0" y="0"/>
+          <a:ext cx="0" cy="0"/>
+          <a:chOff x="0" y="0"/>
+          <a:chExt cx="0" cy="0"/>
+        </a:xfrm>
+      </p:grpSpPr>
+      <p:sp>
+        <p:nvSpPr>
           <p:cNvPr id="9" name="Text Placeholder 8">
             <a:extLst>
               <a:ext uri="{FF2B5EF4-FFF2-40B4-BE49-F238E27FC236}">
@@ -6828,7 +7112,7 @@
           <a:p>
             <a:fld id="{0A297500-7527-634B-90F4-69D0994C32B4}" type="slidenum">
               <a:rPr lang="nl-NL" smtClean="0"/>
-              <a:t>17</a:t>
+              <a:t>18</a:t>
             </a:fld>
             <a:endParaRPr lang="nl-NL"/>
           </a:p>
@@ -7340,7 +7624,7 @@
 </p:sld>
 </file>
 
-<file path=ppt/slides/slide18.xml><?xml version="1.0" encoding="utf-8"?>
+<file path=ppt/slides/slide19.xml><?xml version="1.0" encoding="utf-8"?>
 <p:sld xmlns:a="http://schemas.openxmlformats.org/drawingml/2006/main" xmlns:r="http://schemas.openxmlformats.org/officeDocument/2006/relationships" xmlns:p="http://schemas.openxmlformats.org/presentationml/2006/main">
   <p:cSld>
     <p:spTree>
@@ -7463,7 +7747,7 @@
           <a:p>
             <a:fld id="{0A297500-7527-634B-90F4-69D0994C32B4}" type="slidenum">
               <a:rPr lang="nl-NL" smtClean="0"/>
-              <a:t>18</a:t>
+              <a:t>19</a:t>
             </a:fld>
             <a:endParaRPr lang="nl-NL"/>
           </a:p>
@@ -7606,211 +7890,6 @@
     <p:extLst>
       <p:ext uri="{BB962C8B-B14F-4D97-AF65-F5344CB8AC3E}">
         <p14:creationId xmlns:p14="http://schemas.microsoft.com/office/powerpoint/2010/main" val="1111830835"/>
-      </p:ext>
-    </p:extLst>
-  </p:cSld>
-  <p:clrMapOvr>
-    <a:masterClrMapping/>
-  </p:clrMapOvr>
-</p:sld>
-</file>
-
-<file path=ppt/slides/slide19.xml><?xml version="1.0" encoding="utf-8"?>
-<p:sld xmlns:a="http://schemas.openxmlformats.org/drawingml/2006/main" xmlns:r="http://schemas.openxmlformats.org/officeDocument/2006/relationships" xmlns:p="http://schemas.openxmlformats.org/presentationml/2006/main">
-  <p:cSld>
-    <p:spTree>
-      <p:nvGrpSpPr>
-        <p:cNvPr id="1" name=""/>
-        <p:cNvGrpSpPr/>
-        <p:nvPr/>
-      </p:nvGrpSpPr>
-      <p:grpSpPr>
-        <a:xfrm>
-          <a:off x="0" y="0"/>
-          <a:ext cx="0" cy="0"/>
-          <a:chOff x="0" y="0"/>
-          <a:chExt cx="0" cy="0"/>
-        </a:xfrm>
-      </p:grpSpPr>
-      <p:sp>
-        <p:nvSpPr>
-          <p:cNvPr id="2" name="Content Placeholder 1">
-            <a:extLst>
-              <a:ext uri="{FF2B5EF4-FFF2-40B4-BE49-F238E27FC236}">
-                <a16:creationId xmlns:a16="http://schemas.microsoft.com/office/drawing/2014/main" id="{68511021-7B87-4DC6-A35B-281C920305A1}"/>
-              </a:ext>
-            </a:extLst>
-          </p:cNvPr>
-          <p:cNvSpPr>
-            <a:spLocks noGrp="1"/>
-          </p:cNvSpPr>
-          <p:nvPr>
-            <p:ph idx="1"/>
-          </p:nvPr>
-        </p:nvSpPr>
-        <p:spPr>
-          <a:xfrm>
-            <a:off x="1333850" y="1656000"/>
-            <a:ext cx="10283350" cy="4464000"/>
-          </a:xfrm>
-        </p:spPr>
-        <p:txBody>
-          <a:bodyPr/>
-          <a:lstStyle/>
-          <a:p>
-            <a:pPr marL="457200" indent="-457200">
-              <a:buFont typeface="+mj-lt"/>
-              <a:buAutoNum type="arabicPeriod"/>
-            </a:pPr>
-            <a:r>
-              <a:rPr lang="nl-BE" dirty="0"/>
-              <a:t>Probleemstelling</a:t>
-            </a:r>
-          </a:p>
-          <a:p>
-            <a:pPr marL="457200" indent="-457200">
-              <a:buFont typeface="+mj-lt"/>
-              <a:buAutoNum type="arabicPeriod"/>
-            </a:pPr>
-            <a:r>
-              <a:rPr lang="nl-BE" dirty="0"/>
-              <a:t>Benodigdheden</a:t>
-            </a:r>
-          </a:p>
-          <a:p>
-            <a:pPr marL="457200" indent="-457200">
-              <a:buFont typeface="+mj-lt"/>
-              <a:buAutoNum type="arabicPeriod"/>
-            </a:pPr>
-            <a:r>
-              <a:rPr lang="nl-BE" dirty="0"/>
-              <a:t>Preprocessing</a:t>
-            </a:r>
-          </a:p>
-          <a:p>
-            <a:pPr marL="457200" indent="-457200">
-              <a:buFont typeface="+mj-lt"/>
-              <a:buAutoNum type="arabicPeriod"/>
-            </a:pPr>
-            <a:r>
-              <a:rPr lang="nl-BE" dirty="0"/>
-              <a:t>Modellen</a:t>
-            </a:r>
-          </a:p>
-          <a:p>
-            <a:pPr marL="457200" indent="-457200">
-              <a:buFont typeface="+mj-lt"/>
-              <a:buAutoNum type="arabicPeriod"/>
-            </a:pPr>
-            <a:r>
-              <a:rPr lang="nl-BE" b="1" dirty="0"/>
-              <a:t>Postprocessing</a:t>
-            </a:r>
-          </a:p>
-          <a:p>
-            <a:pPr marL="457200" indent="-457200">
-              <a:buFont typeface="+mj-lt"/>
-              <a:buAutoNum type="arabicPeriod"/>
-            </a:pPr>
-            <a:r>
-              <a:rPr lang="nl-BE" dirty="0"/>
-              <a:t>Wat volgt?</a:t>
-            </a:r>
-          </a:p>
-          <a:p>
-            <a:endParaRPr lang="nl-BE" dirty="0"/>
-          </a:p>
-        </p:txBody>
-      </p:sp>
-      <p:sp>
-        <p:nvSpPr>
-          <p:cNvPr id="3" name="Footer Placeholder 2">
-            <a:extLst>
-              <a:ext uri="{FF2B5EF4-FFF2-40B4-BE49-F238E27FC236}">
-                <a16:creationId xmlns:a16="http://schemas.microsoft.com/office/drawing/2014/main" id="{7A3CD487-6CCF-4DA5-B1C4-D7B38EF3E696}"/>
-              </a:ext>
-            </a:extLst>
-          </p:cNvPr>
-          <p:cNvSpPr>
-            <a:spLocks noGrp="1"/>
-          </p:cNvSpPr>
-          <p:nvPr>
-            <p:ph type="ftr" sz="quarter" idx="11"/>
-          </p:nvPr>
-        </p:nvSpPr>
-        <p:spPr/>
-        <p:txBody>
-          <a:bodyPr/>
-          <a:lstStyle/>
-          <a:p>
-            <a:r>
-              <a:rPr lang="nl-NL"/>
-              <a:t>Faculteit Wetenschappen, Departement Computerwetenschappen</a:t>
-            </a:r>
-          </a:p>
-        </p:txBody>
-      </p:sp>
-      <p:sp>
-        <p:nvSpPr>
-          <p:cNvPr id="4" name="Slide Number Placeholder 3">
-            <a:extLst>
-              <a:ext uri="{FF2B5EF4-FFF2-40B4-BE49-F238E27FC236}">
-                <a16:creationId xmlns:a16="http://schemas.microsoft.com/office/drawing/2014/main" id="{F7543B35-CCFD-4389-AA8D-F8CD75C835A7}"/>
-              </a:ext>
-            </a:extLst>
-          </p:cNvPr>
-          <p:cNvSpPr>
-            <a:spLocks noGrp="1"/>
-          </p:cNvSpPr>
-          <p:nvPr>
-            <p:ph type="sldNum" sz="quarter" idx="12"/>
-          </p:nvPr>
-        </p:nvSpPr>
-        <p:spPr/>
-        <p:txBody>
-          <a:bodyPr/>
-          <a:lstStyle/>
-          <a:p>
-            <a:fld id="{0A297500-7527-634B-90F4-69D0994C32B4}" type="slidenum">
-              <a:rPr lang="nl-NL" smtClean="0"/>
-              <a:t>19</a:t>
-            </a:fld>
-            <a:endParaRPr lang="nl-NL"/>
-          </a:p>
-        </p:txBody>
-      </p:sp>
-      <p:sp>
-        <p:nvSpPr>
-          <p:cNvPr id="5" name="Title 4">
-            <a:extLst>
-              <a:ext uri="{FF2B5EF4-FFF2-40B4-BE49-F238E27FC236}">
-                <a16:creationId xmlns:a16="http://schemas.microsoft.com/office/drawing/2014/main" id="{1AFDC5E9-DB71-455B-860C-0C695D25F72A}"/>
-              </a:ext>
-            </a:extLst>
-          </p:cNvPr>
-          <p:cNvSpPr>
-            <a:spLocks noGrp="1"/>
-          </p:cNvSpPr>
-          <p:nvPr>
-            <p:ph type="title"/>
-          </p:nvPr>
-        </p:nvSpPr>
-        <p:spPr/>
-        <p:txBody>
-          <a:bodyPr/>
-          <a:lstStyle/>
-          <a:p>
-            <a:r>
-              <a:rPr lang="nl-BE" dirty="0"/>
-              <a:t>Content</a:t>
-            </a:r>
-          </a:p>
-        </p:txBody>
-      </p:sp>
-    </p:spTree>
-    <p:extLst>
-      <p:ext uri="{BB962C8B-B14F-4D97-AF65-F5344CB8AC3E}">
-        <p14:creationId xmlns:p14="http://schemas.microsoft.com/office/powerpoint/2010/main" val="994802839"/>
       </p:ext>
     </p:extLst>
   </p:cSld>
@@ -8047,7 +8126,7 @@
           <p:cNvPr id="2" name="Content Placeholder 1">
             <a:extLst>
               <a:ext uri="{FF2B5EF4-FFF2-40B4-BE49-F238E27FC236}">
-                <a16:creationId xmlns:a16="http://schemas.microsoft.com/office/drawing/2014/main" id="{0A71BBFB-5DB0-4EDE-9386-EA525FA79AC8}"/>
+                <a16:creationId xmlns:a16="http://schemas.microsoft.com/office/drawing/2014/main" id="{68511021-7B87-4DC6-A35B-281C920305A1}"/>
               </a:ext>
             </a:extLst>
           </p:cNvPr>
@@ -8058,66 +8137,78 @@
             <p:ph idx="1"/>
           </p:nvPr>
         </p:nvSpPr>
-        <p:spPr/>
-        <p:txBody>
-          <a:bodyPr/>
-          <a:lstStyle/>
-          <a:p>
+        <p:spPr>
+          <a:xfrm>
+            <a:off x="1333850" y="1656000"/>
+            <a:ext cx="10283350" cy="4464000"/>
+          </a:xfrm>
+        </p:spPr>
+        <p:txBody>
+          <a:bodyPr/>
+          <a:lstStyle/>
+          <a:p>
+            <a:pPr marL="457200" indent="-457200">
+              <a:buFont typeface="+mj-lt"/>
+              <a:buAutoNum type="arabicPeriod"/>
+            </a:pPr>
             <a:r>
               <a:rPr lang="nl-BE" dirty="0"/>
-              <a:t>Geen</a:t>
-            </a:r>
-          </a:p>
-          <a:p>
-            <a:r>
-              <a:rPr lang="en-US" dirty="0" err="1"/>
-              <a:t>Gemiddelde</a:t>
-            </a:r>
-            <a:r>
-              <a:rPr lang="en-US" dirty="0"/>
-              <a:t> </a:t>
-            </a:r>
-          </a:p>
-          <a:p>
-            <a:r>
-              <a:rPr lang="nl-BE" dirty="0" err="1"/>
-              <a:t>Exponential</a:t>
-            </a:r>
+              <a:t>Probleemstelling</a:t>
+            </a:r>
+          </a:p>
+          <a:p>
+            <a:pPr marL="457200" indent="-457200">
+              <a:buFont typeface="+mj-lt"/>
+              <a:buAutoNum type="arabicPeriod"/>
+            </a:pPr>
             <a:r>
               <a:rPr lang="nl-BE" dirty="0"/>
-              <a:t> </a:t>
-            </a:r>
-            <a:r>
-              <a:rPr lang="nl-BE" dirty="0" err="1"/>
-              <a:t>Smoothing</a:t>
-            </a:r>
+              <a:t>Benodigdheden</a:t>
+            </a:r>
+          </a:p>
+          <a:p>
+            <a:pPr marL="457200" indent="-457200">
+              <a:buFont typeface="+mj-lt"/>
+              <a:buAutoNum type="arabicPeriod"/>
+            </a:pPr>
+            <a:r>
+              <a:rPr lang="nl-BE" dirty="0"/>
+              <a:t>Preprocessing</a:t>
+            </a:r>
+          </a:p>
+          <a:p>
+            <a:pPr marL="457200" indent="-457200">
+              <a:buFont typeface="+mj-lt"/>
+              <a:buAutoNum type="arabicPeriod"/>
+            </a:pPr>
+            <a:r>
+              <a:rPr lang="nl-BE" dirty="0"/>
+              <a:t>Modellen</a:t>
+            </a:r>
+          </a:p>
+          <a:p>
+            <a:pPr marL="457200" indent="-457200">
+              <a:buFont typeface="+mj-lt"/>
+              <a:buAutoNum type="arabicPeriod"/>
+            </a:pPr>
+            <a:r>
+              <a:rPr lang="nl-BE" b="1" dirty="0"/>
+              <a:t>Postprocessing</a:t>
+            </a:r>
+          </a:p>
+          <a:p>
+            <a:pPr marL="457200" indent="-457200">
+              <a:buFont typeface="+mj-lt"/>
+              <a:buAutoNum type="arabicPeriod"/>
+            </a:pPr>
+            <a:r>
+              <a:rPr lang="nl-BE" dirty="0"/>
+              <a:t>Wat volgt?</a:t>
+            </a:r>
+          </a:p>
+          <a:p>
             <a:endParaRPr lang="nl-BE" dirty="0"/>
           </a:p>
-          <a:p>
-            <a:r>
-              <a:rPr lang="en-US" dirty="0"/>
-              <a:t>M</a:t>
-            </a:r>
-            <a:r>
-              <a:rPr lang="nl-BE" dirty="0" err="1"/>
-              <a:t>oving</a:t>
-            </a:r>
-            <a:r>
-              <a:rPr lang="nl-BE" dirty="0"/>
-              <a:t> </a:t>
-            </a:r>
-            <a:r>
-              <a:rPr lang="nl-BE" dirty="0" err="1"/>
-              <a:t>Average</a:t>
-            </a:r>
-            <a:endParaRPr lang="nl-BE" dirty="0"/>
-          </a:p>
-          <a:p>
-            <a:pPr marL="0" indent="0">
-              <a:buNone/>
-            </a:pPr>
-            <a:endParaRPr lang="nl-BE" dirty="0"/>
-          </a:p>
         </p:txBody>
       </p:sp>
       <p:sp>
@@ -8125,7 +8216,7 @@
           <p:cNvPr id="3" name="Footer Placeholder 2">
             <a:extLst>
               <a:ext uri="{FF2B5EF4-FFF2-40B4-BE49-F238E27FC236}">
-                <a16:creationId xmlns:a16="http://schemas.microsoft.com/office/drawing/2014/main" id="{4C6B9FC5-3BDD-48CA-AAA9-15298A47E13D}"/>
+                <a16:creationId xmlns:a16="http://schemas.microsoft.com/office/drawing/2014/main" id="{7A3CD487-6CCF-4DA5-B1C4-D7B38EF3E696}"/>
               </a:ext>
             </a:extLst>
           </p:cNvPr>
@@ -8153,7 +8244,7 @@
           <p:cNvPr id="4" name="Slide Number Placeholder 3">
             <a:extLst>
               <a:ext uri="{FF2B5EF4-FFF2-40B4-BE49-F238E27FC236}">
-                <a16:creationId xmlns:a16="http://schemas.microsoft.com/office/drawing/2014/main" id="{DDDE5440-5165-4AC3-B385-4F30A106D887}"/>
+                <a16:creationId xmlns:a16="http://schemas.microsoft.com/office/drawing/2014/main" id="{F7543B35-CCFD-4389-AA8D-F8CD75C835A7}"/>
               </a:ext>
             </a:extLst>
           </p:cNvPr>
@@ -8182,7 +8273,7 @@
           <p:cNvPr id="5" name="Title 4">
             <a:extLst>
               <a:ext uri="{FF2B5EF4-FFF2-40B4-BE49-F238E27FC236}">
-                <a16:creationId xmlns:a16="http://schemas.microsoft.com/office/drawing/2014/main" id="{DDC82FBF-AB4F-4881-80C3-A8460073888F}"/>
+                <a16:creationId xmlns:a16="http://schemas.microsoft.com/office/drawing/2014/main" id="{1AFDC5E9-DB71-455B-860C-0C695D25F72A}"/>
               </a:ext>
             </a:extLst>
           </p:cNvPr>
@@ -8199,17 +8290,16 @@
           <a:lstStyle/>
           <a:p>
             <a:r>
-              <a:rPr lang="en-US" dirty="0"/>
-              <a:t>Postprocessing</a:t>
-            </a:r>
-            <a:endParaRPr lang="nl-BE" dirty="0"/>
+              <a:rPr lang="nl-BE" dirty="0"/>
+              <a:t>Content</a:t>
+            </a:r>
           </a:p>
         </p:txBody>
       </p:sp>
     </p:spTree>
     <p:extLst>
       <p:ext uri="{BB962C8B-B14F-4D97-AF65-F5344CB8AC3E}">
-        <p14:creationId xmlns:p14="http://schemas.microsoft.com/office/powerpoint/2010/main" val="1310925938"/>
+        <p14:creationId xmlns:p14="http://schemas.microsoft.com/office/powerpoint/2010/main" val="994802839"/>
       </p:ext>
     </p:extLst>
   </p:cSld>
@@ -8236,41 +8326,90 @@
           <a:chExt cx="0" cy="0"/>
         </a:xfrm>
       </p:grpSpPr>
-      <p:pic>
-        <p:nvPicPr>
-          <p:cNvPr id="7" name="Content Placeholder 6">
-            <a:extLst>
-              <a:ext uri="{FF2B5EF4-FFF2-40B4-BE49-F238E27FC236}">
-                <a16:creationId xmlns:a16="http://schemas.microsoft.com/office/drawing/2014/main" id="{0421D4ED-15D9-4CF3-82CE-32ED7E00E547}"/>
-              </a:ext>
-            </a:extLst>
-          </p:cNvPr>
-          <p:cNvPicPr>
-            <a:picLocks noGrp="1" noChangeAspect="1"/>
-          </p:cNvPicPr>
+      <p:sp>
+        <p:nvSpPr>
+          <p:cNvPr id="2" name="Content Placeholder 1">
+            <a:extLst>
+              <a:ext uri="{FF2B5EF4-FFF2-40B4-BE49-F238E27FC236}">
+                <a16:creationId xmlns:a16="http://schemas.microsoft.com/office/drawing/2014/main" id="{0A71BBFB-5DB0-4EDE-9386-EA525FA79AC8}"/>
+              </a:ext>
+            </a:extLst>
+          </p:cNvPr>
+          <p:cNvSpPr>
+            <a:spLocks noGrp="1"/>
+          </p:cNvSpPr>
           <p:nvPr>
             <p:ph idx="1"/>
           </p:nvPr>
-        </p:nvPicPr>
-        <p:blipFill>
-          <a:blip r:embed="rId2"/>
-          <a:stretch>
-            <a:fillRect/>
-          </a:stretch>
-        </p:blipFill>
-        <p:spPr>
-          <a:xfrm>
-            <a:off x="3120761" y="1655763"/>
-            <a:ext cx="5952066" cy="4464050"/>
-          </a:xfrm>
-        </p:spPr>
-      </p:pic>
+        </p:nvSpPr>
+        <p:spPr/>
+        <p:txBody>
+          <a:bodyPr/>
+          <a:lstStyle/>
+          <a:p>
+            <a:r>
+              <a:rPr lang="nl-BE" dirty="0"/>
+              <a:t>Geen</a:t>
+            </a:r>
+          </a:p>
+          <a:p>
+            <a:r>
+              <a:rPr lang="en-US" dirty="0" err="1"/>
+              <a:t>Gemiddelde</a:t>
+            </a:r>
+            <a:r>
+              <a:rPr lang="en-US" dirty="0"/>
+              <a:t> </a:t>
+            </a:r>
+          </a:p>
+          <a:p>
+            <a:r>
+              <a:rPr lang="nl-BE" dirty="0" err="1"/>
+              <a:t>Exponential</a:t>
+            </a:r>
+            <a:r>
+              <a:rPr lang="nl-BE" dirty="0"/>
+              <a:t> </a:t>
+            </a:r>
+            <a:r>
+              <a:rPr lang="nl-BE" dirty="0" err="1"/>
+              <a:t>Smoothing</a:t>
+            </a:r>
+            <a:endParaRPr lang="nl-BE" dirty="0"/>
+          </a:p>
+          <a:p>
+            <a:r>
+              <a:rPr lang="en-US" dirty="0"/>
+              <a:t>M</a:t>
+            </a:r>
+            <a:r>
+              <a:rPr lang="nl-BE" dirty="0" err="1"/>
+              <a:t>oving</a:t>
+            </a:r>
+            <a:r>
+              <a:rPr lang="nl-BE" dirty="0"/>
+              <a:t> </a:t>
+            </a:r>
+            <a:r>
+              <a:rPr lang="nl-BE" dirty="0" err="1"/>
+              <a:t>Average</a:t>
+            </a:r>
+            <a:endParaRPr lang="nl-BE" dirty="0"/>
+          </a:p>
+          <a:p>
+            <a:pPr marL="0" indent="0">
+              <a:buNone/>
+            </a:pPr>
+            <a:endParaRPr lang="nl-BE" dirty="0"/>
+          </a:p>
+        </p:txBody>
+      </p:sp>
       <p:sp>
         <p:nvSpPr>
           <p:cNvPr id="3" name="Footer Placeholder 2">
             <a:extLst>
               <a:ext uri="{FF2B5EF4-FFF2-40B4-BE49-F238E27FC236}">
-                <a16:creationId xmlns:a16="http://schemas.microsoft.com/office/drawing/2014/main" id="{0A3581CF-F95F-45CB-87DC-3D046AC7E765}"/>
+                <a16:creationId xmlns:a16="http://schemas.microsoft.com/office/drawing/2014/main" id="{4C6B9FC5-3BDD-48CA-AAA9-15298A47E13D}"/>
               </a:ext>
             </a:extLst>
           </p:cNvPr>
@@ -8298,7 +8437,7 @@
           <p:cNvPr id="4" name="Slide Number Placeholder 3">
             <a:extLst>
               <a:ext uri="{FF2B5EF4-FFF2-40B4-BE49-F238E27FC236}">
-                <a16:creationId xmlns:a16="http://schemas.microsoft.com/office/drawing/2014/main" id="{EDFAAB33-3C94-4AC6-BA54-AD54A8675D5E}"/>
+                <a16:creationId xmlns:a16="http://schemas.microsoft.com/office/drawing/2014/main" id="{DDDE5440-5165-4AC3-B385-4F30A106D887}"/>
               </a:ext>
             </a:extLst>
           </p:cNvPr>
@@ -8327,7 +8466,7 @@
           <p:cNvPr id="5" name="Title 4">
             <a:extLst>
               <a:ext uri="{FF2B5EF4-FFF2-40B4-BE49-F238E27FC236}">
-                <a16:creationId xmlns:a16="http://schemas.microsoft.com/office/drawing/2014/main" id="{ECAA0194-C844-44F2-A348-CDFC254DF662}"/>
+                <a16:creationId xmlns:a16="http://schemas.microsoft.com/office/drawing/2014/main" id="{DDC82FBF-AB4F-4881-80C3-A8460073888F}"/>
               </a:ext>
             </a:extLst>
           </p:cNvPr>
@@ -8344,88 +8483,17 @@
           <a:lstStyle/>
           <a:p>
             <a:r>
-              <a:rPr lang="nl-BE" dirty="0"/>
-              <a:t>Geen preprocessing</a:t>
-            </a:r>
-          </a:p>
-        </p:txBody>
-      </p:sp>
-      <p:sp>
-        <p:nvSpPr>
-          <p:cNvPr id="6" name="TextBox 5">
-            <a:extLst>
-              <a:ext uri="{FF2B5EF4-FFF2-40B4-BE49-F238E27FC236}">
-                <a16:creationId xmlns:a16="http://schemas.microsoft.com/office/drawing/2014/main" id="{397FC621-C36C-4C82-B84E-ACDBC1948B3C}"/>
-              </a:ext>
-            </a:extLst>
-          </p:cNvPr>
-          <p:cNvSpPr txBox="1"/>
-          <p:nvPr/>
-        </p:nvSpPr>
-        <p:spPr>
-          <a:xfrm>
-            <a:off x="2939736" y="1780525"/>
-            <a:ext cx="729477" cy="261610"/>
-          </a:xfrm>
-          <a:prstGeom prst="rect">
-            <a:avLst/>
-          </a:prstGeom>
-          <a:noFill/>
-        </p:spPr>
-        <p:txBody>
-          <a:bodyPr wrap="square" rtlCol="0">
-            <a:spAutoFit/>
-          </a:bodyPr>
-          <a:lstStyle/>
-          <a:p>
-            <a:r>
-              <a:rPr lang="en-US" sz="1050" dirty="0"/>
-              <a:t>rpm</a:t>
-            </a:r>
-            <a:endParaRPr lang="nl-BE" sz="1050" dirty="0"/>
-          </a:p>
-        </p:txBody>
-      </p:sp>
-      <p:sp>
-        <p:nvSpPr>
-          <p:cNvPr id="8" name="TextBox 7">
-            <a:extLst>
-              <a:ext uri="{FF2B5EF4-FFF2-40B4-BE49-F238E27FC236}">
-                <a16:creationId xmlns:a16="http://schemas.microsoft.com/office/drawing/2014/main" id="{3AB35AC8-C873-476F-B80E-6615246C96AC}"/>
-              </a:ext>
-            </a:extLst>
-          </p:cNvPr>
-          <p:cNvSpPr txBox="1"/>
-          <p:nvPr/>
-        </p:nvSpPr>
-        <p:spPr>
-          <a:xfrm>
-            <a:off x="8524375" y="5944984"/>
-            <a:ext cx="729477" cy="261610"/>
-          </a:xfrm>
-          <a:prstGeom prst="rect">
-            <a:avLst/>
-          </a:prstGeom>
-          <a:noFill/>
-        </p:spPr>
-        <p:txBody>
-          <a:bodyPr wrap="square" rtlCol="0">
-            <a:spAutoFit/>
-          </a:bodyPr>
-          <a:lstStyle/>
-          <a:p>
-            <a:r>
-              <a:rPr lang="en-US" sz="1050" dirty="0"/>
-              <a:t>t (ds)</a:t>
-            </a:r>
-            <a:endParaRPr lang="nl-BE" sz="1050" dirty="0"/>
+              <a:rPr lang="en-US" dirty="0"/>
+              <a:t>Postprocessing</a:t>
+            </a:r>
+            <a:endParaRPr lang="nl-BE" dirty="0"/>
           </a:p>
         </p:txBody>
       </p:sp>
     </p:spTree>
     <p:extLst>
       <p:ext uri="{BB962C8B-B14F-4D97-AF65-F5344CB8AC3E}">
-        <p14:creationId xmlns:p14="http://schemas.microsoft.com/office/powerpoint/2010/main" val="1795201783"/>
+        <p14:creationId xmlns:p14="http://schemas.microsoft.com/office/powerpoint/2010/main" val="1310925938"/>
       </p:ext>
     </p:extLst>
   </p:cSld>
@@ -8457,7 +8525,7 @@
           <p:cNvPr id="7" name="Content Placeholder 6">
             <a:extLst>
               <a:ext uri="{FF2B5EF4-FFF2-40B4-BE49-F238E27FC236}">
-                <a16:creationId xmlns:a16="http://schemas.microsoft.com/office/drawing/2014/main" id="{BAEEB3B7-8AA9-421D-BA41-A6239201F590}"/>
+                <a16:creationId xmlns:a16="http://schemas.microsoft.com/office/drawing/2014/main" id="{0421D4ED-15D9-4CF3-82CE-32ED7E00E547}"/>
               </a:ext>
             </a:extLst>
           </p:cNvPr>
@@ -8486,7 +8554,7 @@
           <p:cNvPr id="3" name="Footer Placeholder 2">
             <a:extLst>
               <a:ext uri="{FF2B5EF4-FFF2-40B4-BE49-F238E27FC236}">
-                <a16:creationId xmlns:a16="http://schemas.microsoft.com/office/drawing/2014/main" id="{87FF3C3D-2153-432B-8984-354D6CFFB0FC}"/>
+                <a16:creationId xmlns:a16="http://schemas.microsoft.com/office/drawing/2014/main" id="{0A3581CF-F95F-45CB-87DC-3D046AC7E765}"/>
               </a:ext>
             </a:extLst>
           </p:cNvPr>
@@ -8514,7 +8582,7 @@
           <p:cNvPr id="4" name="Slide Number Placeholder 3">
             <a:extLst>
               <a:ext uri="{FF2B5EF4-FFF2-40B4-BE49-F238E27FC236}">
-                <a16:creationId xmlns:a16="http://schemas.microsoft.com/office/drawing/2014/main" id="{F76E35D6-14DA-4471-8215-D2868EAD677B}"/>
+                <a16:creationId xmlns:a16="http://schemas.microsoft.com/office/drawing/2014/main" id="{EDFAAB33-3C94-4AC6-BA54-AD54A8675D5E}"/>
               </a:ext>
             </a:extLst>
           </p:cNvPr>
@@ -8533,6 +8601,222 @@
             <a:fld id="{0A297500-7527-634B-90F4-69D0994C32B4}" type="slidenum">
               <a:rPr lang="nl-NL" smtClean="0"/>
               <a:t>22</a:t>
+            </a:fld>
+            <a:endParaRPr lang="nl-NL"/>
+          </a:p>
+        </p:txBody>
+      </p:sp>
+      <p:sp>
+        <p:nvSpPr>
+          <p:cNvPr id="5" name="Title 4">
+            <a:extLst>
+              <a:ext uri="{FF2B5EF4-FFF2-40B4-BE49-F238E27FC236}">
+                <a16:creationId xmlns:a16="http://schemas.microsoft.com/office/drawing/2014/main" id="{ECAA0194-C844-44F2-A348-CDFC254DF662}"/>
+              </a:ext>
+            </a:extLst>
+          </p:cNvPr>
+          <p:cNvSpPr>
+            <a:spLocks noGrp="1"/>
+          </p:cNvSpPr>
+          <p:nvPr>
+            <p:ph type="title"/>
+          </p:nvPr>
+        </p:nvSpPr>
+        <p:spPr/>
+        <p:txBody>
+          <a:bodyPr/>
+          <a:lstStyle/>
+          <a:p>
+            <a:r>
+              <a:rPr lang="nl-BE" dirty="0"/>
+              <a:t>Geen preprocessing</a:t>
+            </a:r>
+          </a:p>
+        </p:txBody>
+      </p:sp>
+      <p:sp>
+        <p:nvSpPr>
+          <p:cNvPr id="6" name="TextBox 5">
+            <a:extLst>
+              <a:ext uri="{FF2B5EF4-FFF2-40B4-BE49-F238E27FC236}">
+                <a16:creationId xmlns:a16="http://schemas.microsoft.com/office/drawing/2014/main" id="{397FC621-C36C-4C82-B84E-ACDBC1948B3C}"/>
+              </a:ext>
+            </a:extLst>
+          </p:cNvPr>
+          <p:cNvSpPr txBox="1"/>
+          <p:nvPr/>
+        </p:nvSpPr>
+        <p:spPr>
+          <a:xfrm>
+            <a:off x="2939736" y="1780525"/>
+            <a:ext cx="729477" cy="261610"/>
+          </a:xfrm>
+          <a:prstGeom prst="rect">
+            <a:avLst/>
+          </a:prstGeom>
+          <a:noFill/>
+        </p:spPr>
+        <p:txBody>
+          <a:bodyPr wrap="square" rtlCol="0">
+            <a:spAutoFit/>
+          </a:bodyPr>
+          <a:lstStyle/>
+          <a:p>
+            <a:r>
+              <a:rPr lang="en-US" sz="1050" dirty="0"/>
+              <a:t>rpm</a:t>
+            </a:r>
+            <a:endParaRPr lang="nl-BE" sz="1050" dirty="0"/>
+          </a:p>
+        </p:txBody>
+      </p:sp>
+      <p:sp>
+        <p:nvSpPr>
+          <p:cNvPr id="8" name="TextBox 7">
+            <a:extLst>
+              <a:ext uri="{FF2B5EF4-FFF2-40B4-BE49-F238E27FC236}">
+                <a16:creationId xmlns:a16="http://schemas.microsoft.com/office/drawing/2014/main" id="{3AB35AC8-C873-476F-B80E-6615246C96AC}"/>
+              </a:ext>
+            </a:extLst>
+          </p:cNvPr>
+          <p:cNvSpPr txBox="1"/>
+          <p:nvPr/>
+        </p:nvSpPr>
+        <p:spPr>
+          <a:xfrm>
+            <a:off x="8524375" y="5944984"/>
+            <a:ext cx="729477" cy="261610"/>
+          </a:xfrm>
+          <a:prstGeom prst="rect">
+            <a:avLst/>
+          </a:prstGeom>
+          <a:noFill/>
+        </p:spPr>
+        <p:txBody>
+          <a:bodyPr wrap="square" rtlCol="0">
+            <a:spAutoFit/>
+          </a:bodyPr>
+          <a:lstStyle/>
+          <a:p>
+            <a:r>
+              <a:rPr lang="en-US" sz="1050" dirty="0"/>
+              <a:t>t (ds)</a:t>
+            </a:r>
+            <a:endParaRPr lang="nl-BE" sz="1050" dirty="0"/>
+          </a:p>
+        </p:txBody>
+      </p:sp>
+    </p:spTree>
+    <p:extLst>
+      <p:ext uri="{BB962C8B-B14F-4D97-AF65-F5344CB8AC3E}">
+        <p14:creationId xmlns:p14="http://schemas.microsoft.com/office/powerpoint/2010/main" val="1795201783"/>
+      </p:ext>
+    </p:extLst>
+  </p:cSld>
+  <p:clrMapOvr>
+    <a:masterClrMapping/>
+  </p:clrMapOvr>
+</p:sld>
+</file>
+
+<file path=ppt/slides/slide23.xml><?xml version="1.0" encoding="utf-8"?>
+<p:sld xmlns:a="http://schemas.openxmlformats.org/drawingml/2006/main" xmlns:r="http://schemas.openxmlformats.org/officeDocument/2006/relationships" xmlns:p="http://schemas.openxmlformats.org/presentationml/2006/main">
+  <p:cSld>
+    <p:spTree>
+      <p:nvGrpSpPr>
+        <p:cNvPr id="1" name=""/>
+        <p:cNvGrpSpPr/>
+        <p:nvPr/>
+      </p:nvGrpSpPr>
+      <p:grpSpPr>
+        <a:xfrm>
+          <a:off x="0" y="0"/>
+          <a:ext cx="0" cy="0"/>
+          <a:chOff x="0" y="0"/>
+          <a:chExt cx="0" cy="0"/>
+        </a:xfrm>
+      </p:grpSpPr>
+      <p:pic>
+        <p:nvPicPr>
+          <p:cNvPr id="7" name="Content Placeholder 6">
+            <a:extLst>
+              <a:ext uri="{FF2B5EF4-FFF2-40B4-BE49-F238E27FC236}">
+                <a16:creationId xmlns:a16="http://schemas.microsoft.com/office/drawing/2014/main" id="{BAEEB3B7-8AA9-421D-BA41-A6239201F590}"/>
+              </a:ext>
+            </a:extLst>
+          </p:cNvPr>
+          <p:cNvPicPr>
+            <a:picLocks noGrp="1" noChangeAspect="1"/>
+          </p:cNvPicPr>
+          <p:nvPr>
+            <p:ph idx="1"/>
+          </p:nvPr>
+        </p:nvPicPr>
+        <p:blipFill>
+          <a:blip r:embed="rId2"/>
+          <a:stretch>
+            <a:fillRect/>
+          </a:stretch>
+        </p:blipFill>
+        <p:spPr>
+          <a:xfrm>
+            <a:off x="3120761" y="1655763"/>
+            <a:ext cx="5952066" cy="4464050"/>
+          </a:xfrm>
+        </p:spPr>
+      </p:pic>
+      <p:sp>
+        <p:nvSpPr>
+          <p:cNvPr id="3" name="Footer Placeholder 2">
+            <a:extLst>
+              <a:ext uri="{FF2B5EF4-FFF2-40B4-BE49-F238E27FC236}">
+                <a16:creationId xmlns:a16="http://schemas.microsoft.com/office/drawing/2014/main" id="{87FF3C3D-2153-432B-8984-354D6CFFB0FC}"/>
+              </a:ext>
+            </a:extLst>
+          </p:cNvPr>
+          <p:cNvSpPr>
+            <a:spLocks noGrp="1"/>
+          </p:cNvSpPr>
+          <p:nvPr>
+            <p:ph type="ftr" sz="quarter" idx="11"/>
+          </p:nvPr>
+        </p:nvSpPr>
+        <p:spPr/>
+        <p:txBody>
+          <a:bodyPr/>
+          <a:lstStyle/>
+          <a:p>
+            <a:r>
+              <a:rPr lang="nl-NL"/>
+              <a:t>Faculteit Wetenschappen, Departement Computerwetenschappen</a:t>
+            </a:r>
+          </a:p>
+        </p:txBody>
+      </p:sp>
+      <p:sp>
+        <p:nvSpPr>
+          <p:cNvPr id="4" name="Slide Number Placeholder 3">
+            <a:extLst>
+              <a:ext uri="{FF2B5EF4-FFF2-40B4-BE49-F238E27FC236}">
+                <a16:creationId xmlns:a16="http://schemas.microsoft.com/office/drawing/2014/main" id="{F76E35D6-14DA-4471-8215-D2868EAD677B}"/>
+              </a:ext>
+            </a:extLst>
+          </p:cNvPr>
+          <p:cNvSpPr>
+            <a:spLocks noGrp="1"/>
+          </p:cNvSpPr>
+          <p:nvPr>
+            <p:ph type="sldNum" sz="quarter" idx="12"/>
+          </p:nvPr>
+        </p:nvSpPr>
+        <p:spPr/>
+        <p:txBody>
+          <a:bodyPr/>
+          <a:lstStyle/>
+          <a:p>
+            <a:fld id="{0A297500-7527-634B-90F4-69D0994C32B4}" type="slidenum">
+              <a:rPr lang="nl-NL" smtClean="0"/>
+              <a:t>23</a:t>
             </a:fld>
             <a:endParaRPr lang="nl-NL"/>
           </a:p>
@@ -8651,7 +8935,7 @@
 </p:sld>
 </file>
 
-<file path=ppt/slides/slide23.xml><?xml version="1.0" encoding="utf-8"?>
+<file path=ppt/slides/slide24.xml><?xml version="1.0" encoding="utf-8"?>
 <p:sld xmlns:a="http://schemas.openxmlformats.org/drawingml/2006/main" xmlns:r="http://schemas.openxmlformats.org/officeDocument/2006/relationships" xmlns:p="http://schemas.openxmlformats.org/presentationml/2006/main">
   <p:cSld>
     <p:spTree>
@@ -8827,7 +9111,7 @@
           <a:p>
             <a:fld id="{0A297500-7527-634B-90F4-69D0994C32B4}" type="slidenum">
               <a:rPr lang="nl-NL" smtClean="0"/>
-              <a:t>23</a:t>
+              <a:t>24</a:t>
             </a:fld>
             <a:endParaRPr lang="nl-NL"/>
           </a:p>
@@ -9607,7 +9891,7 @@
 </p:sld>
 </file>
 
-<file path=ppt/slides/slide24.xml><?xml version="1.0" encoding="utf-8"?>
+<file path=ppt/slides/slide25.xml><?xml version="1.0" encoding="utf-8"?>
 <p:sld xmlns:a="http://schemas.openxmlformats.org/drawingml/2006/main" xmlns:r="http://schemas.openxmlformats.org/officeDocument/2006/relationships" xmlns:p="http://schemas.openxmlformats.org/presentationml/2006/main">
   <p:cSld>
     <p:spTree>
@@ -9704,7 +9988,7 @@
           <a:p>
             <a:fld id="{0A297500-7527-634B-90F4-69D0994C32B4}" type="slidenum">
               <a:rPr lang="nl-NL" smtClean="0"/>
-              <a:t>24</a:t>
+              <a:t>25</a:t>
             </a:fld>
             <a:endParaRPr lang="nl-NL"/>
           </a:p>
@@ -10088,211 +10372,6 @@
 </p:sld>
 </file>
 
-<file path=ppt/slides/slide25.xml><?xml version="1.0" encoding="utf-8"?>
-<p:sld xmlns:a="http://schemas.openxmlformats.org/drawingml/2006/main" xmlns:r="http://schemas.openxmlformats.org/officeDocument/2006/relationships" xmlns:p="http://schemas.openxmlformats.org/presentationml/2006/main">
-  <p:cSld>
-    <p:spTree>
-      <p:nvGrpSpPr>
-        <p:cNvPr id="1" name=""/>
-        <p:cNvGrpSpPr/>
-        <p:nvPr/>
-      </p:nvGrpSpPr>
-      <p:grpSpPr>
-        <a:xfrm>
-          <a:off x="0" y="0"/>
-          <a:ext cx="0" cy="0"/>
-          <a:chOff x="0" y="0"/>
-          <a:chExt cx="0" cy="0"/>
-        </a:xfrm>
-      </p:grpSpPr>
-      <p:sp>
-        <p:nvSpPr>
-          <p:cNvPr id="2" name="Content Placeholder 1">
-            <a:extLst>
-              <a:ext uri="{FF2B5EF4-FFF2-40B4-BE49-F238E27FC236}">
-                <a16:creationId xmlns:a16="http://schemas.microsoft.com/office/drawing/2014/main" id="{68511021-7B87-4DC6-A35B-281C920305A1}"/>
-              </a:ext>
-            </a:extLst>
-          </p:cNvPr>
-          <p:cNvSpPr>
-            <a:spLocks noGrp="1"/>
-          </p:cNvSpPr>
-          <p:nvPr>
-            <p:ph idx="1"/>
-          </p:nvPr>
-        </p:nvSpPr>
-        <p:spPr>
-          <a:xfrm>
-            <a:off x="1333850" y="1656000"/>
-            <a:ext cx="10283350" cy="4464000"/>
-          </a:xfrm>
-        </p:spPr>
-        <p:txBody>
-          <a:bodyPr/>
-          <a:lstStyle/>
-          <a:p>
-            <a:pPr marL="457200" indent="-457200">
-              <a:buFont typeface="+mj-lt"/>
-              <a:buAutoNum type="arabicPeriod"/>
-            </a:pPr>
-            <a:r>
-              <a:rPr lang="nl-BE" dirty="0"/>
-              <a:t>Probleemstelling</a:t>
-            </a:r>
-          </a:p>
-          <a:p>
-            <a:pPr marL="457200" indent="-457200">
-              <a:buFont typeface="+mj-lt"/>
-              <a:buAutoNum type="arabicPeriod"/>
-            </a:pPr>
-            <a:r>
-              <a:rPr lang="nl-BE" dirty="0"/>
-              <a:t>Benodigdheden</a:t>
-            </a:r>
-          </a:p>
-          <a:p>
-            <a:pPr marL="457200" indent="-457200">
-              <a:buFont typeface="+mj-lt"/>
-              <a:buAutoNum type="arabicPeriod"/>
-            </a:pPr>
-            <a:r>
-              <a:rPr lang="nl-BE" dirty="0"/>
-              <a:t>Preprocessing</a:t>
-            </a:r>
-          </a:p>
-          <a:p>
-            <a:pPr marL="457200" indent="-457200">
-              <a:buFont typeface="+mj-lt"/>
-              <a:buAutoNum type="arabicPeriod"/>
-            </a:pPr>
-            <a:r>
-              <a:rPr lang="nl-BE" dirty="0"/>
-              <a:t>Modellen</a:t>
-            </a:r>
-          </a:p>
-          <a:p>
-            <a:pPr marL="457200" indent="-457200">
-              <a:buFont typeface="+mj-lt"/>
-              <a:buAutoNum type="arabicPeriod"/>
-            </a:pPr>
-            <a:r>
-              <a:rPr lang="nl-BE" dirty="0"/>
-              <a:t>Postprocessing</a:t>
-            </a:r>
-          </a:p>
-          <a:p>
-            <a:pPr marL="457200" indent="-457200">
-              <a:buFont typeface="+mj-lt"/>
-              <a:buAutoNum type="arabicPeriod"/>
-            </a:pPr>
-            <a:r>
-              <a:rPr lang="nl-BE" b="1" dirty="0"/>
-              <a:t>Wat volgt?</a:t>
-            </a:r>
-          </a:p>
-          <a:p>
-            <a:endParaRPr lang="nl-BE" dirty="0"/>
-          </a:p>
-        </p:txBody>
-      </p:sp>
-      <p:sp>
-        <p:nvSpPr>
-          <p:cNvPr id="3" name="Footer Placeholder 2">
-            <a:extLst>
-              <a:ext uri="{FF2B5EF4-FFF2-40B4-BE49-F238E27FC236}">
-                <a16:creationId xmlns:a16="http://schemas.microsoft.com/office/drawing/2014/main" id="{7A3CD487-6CCF-4DA5-B1C4-D7B38EF3E696}"/>
-              </a:ext>
-            </a:extLst>
-          </p:cNvPr>
-          <p:cNvSpPr>
-            <a:spLocks noGrp="1"/>
-          </p:cNvSpPr>
-          <p:nvPr>
-            <p:ph type="ftr" sz="quarter" idx="11"/>
-          </p:nvPr>
-        </p:nvSpPr>
-        <p:spPr/>
-        <p:txBody>
-          <a:bodyPr/>
-          <a:lstStyle/>
-          <a:p>
-            <a:r>
-              <a:rPr lang="nl-NL"/>
-              <a:t>Faculteit Wetenschappen, Departement Computerwetenschappen</a:t>
-            </a:r>
-          </a:p>
-        </p:txBody>
-      </p:sp>
-      <p:sp>
-        <p:nvSpPr>
-          <p:cNvPr id="4" name="Slide Number Placeholder 3">
-            <a:extLst>
-              <a:ext uri="{FF2B5EF4-FFF2-40B4-BE49-F238E27FC236}">
-                <a16:creationId xmlns:a16="http://schemas.microsoft.com/office/drawing/2014/main" id="{F7543B35-CCFD-4389-AA8D-F8CD75C835A7}"/>
-              </a:ext>
-            </a:extLst>
-          </p:cNvPr>
-          <p:cNvSpPr>
-            <a:spLocks noGrp="1"/>
-          </p:cNvSpPr>
-          <p:nvPr>
-            <p:ph type="sldNum" sz="quarter" idx="12"/>
-          </p:nvPr>
-        </p:nvSpPr>
-        <p:spPr/>
-        <p:txBody>
-          <a:bodyPr/>
-          <a:lstStyle/>
-          <a:p>
-            <a:fld id="{0A297500-7527-634B-90F4-69D0994C32B4}" type="slidenum">
-              <a:rPr lang="nl-NL" smtClean="0"/>
-              <a:t>25</a:t>
-            </a:fld>
-            <a:endParaRPr lang="nl-NL"/>
-          </a:p>
-        </p:txBody>
-      </p:sp>
-      <p:sp>
-        <p:nvSpPr>
-          <p:cNvPr id="5" name="Title 4">
-            <a:extLst>
-              <a:ext uri="{FF2B5EF4-FFF2-40B4-BE49-F238E27FC236}">
-                <a16:creationId xmlns:a16="http://schemas.microsoft.com/office/drawing/2014/main" id="{1AFDC5E9-DB71-455B-860C-0C695D25F72A}"/>
-              </a:ext>
-            </a:extLst>
-          </p:cNvPr>
-          <p:cNvSpPr>
-            <a:spLocks noGrp="1"/>
-          </p:cNvSpPr>
-          <p:nvPr>
-            <p:ph type="title"/>
-          </p:nvPr>
-        </p:nvSpPr>
-        <p:spPr/>
-        <p:txBody>
-          <a:bodyPr/>
-          <a:lstStyle/>
-          <a:p>
-            <a:r>
-              <a:rPr lang="nl-BE" dirty="0"/>
-              <a:t>Content</a:t>
-            </a:r>
-          </a:p>
-        </p:txBody>
-      </p:sp>
-    </p:spTree>
-    <p:extLst>
-      <p:ext uri="{BB962C8B-B14F-4D97-AF65-F5344CB8AC3E}">
-        <p14:creationId xmlns:p14="http://schemas.microsoft.com/office/powerpoint/2010/main" val="2064249319"/>
-      </p:ext>
-    </p:extLst>
-  </p:cSld>
-  <p:clrMapOvr>
-    <a:masterClrMapping/>
-  </p:clrMapOvr>
-</p:sld>
-</file>
-
 <file path=ppt/slides/slide26.xml><?xml version="1.0" encoding="utf-8"?>
 <p:sld xmlns:a="http://schemas.openxmlformats.org/drawingml/2006/main" xmlns:r="http://schemas.openxmlformats.org/officeDocument/2006/relationships" xmlns:p="http://schemas.openxmlformats.org/presentationml/2006/main">
   <p:cSld>
@@ -10315,7 +10394,7 @@
           <p:cNvPr id="2" name="Content Placeholder 1">
             <a:extLst>
               <a:ext uri="{FF2B5EF4-FFF2-40B4-BE49-F238E27FC236}">
-                <a16:creationId xmlns:a16="http://schemas.microsoft.com/office/drawing/2014/main" id="{12CA7EB7-AB77-4724-B035-34BC542AEA3A}"/>
+                <a16:creationId xmlns:a16="http://schemas.microsoft.com/office/drawing/2014/main" id="{68511021-7B87-4DC6-A35B-281C920305A1}"/>
               </a:ext>
             </a:extLst>
           </p:cNvPr>
@@ -10326,26 +10405,73 @@
             <p:ph idx="1"/>
           </p:nvPr>
         </p:nvSpPr>
-        <p:spPr/>
-        <p:txBody>
-          <a:bodyPr/>
-          <a:lstStyle/>
-          <a:p>
+        <p:spPr>
+          <a:xfrm>
+            <a:off x="1333850" y="1656000"/>
+            <a:ext cx="10283350" cy="4464000"/>
+          </a:xfrm>
+        </p:spPr>
+        <p:txBody>
+          <a:bodyPr/>
+          <a:lstStyle/>
+          <a:p>
+            <a:pPr marL="457200" indent="-457200">
+              <a:buFont typeface="+mj-lt"/>
+              <a:buAutoNum type="arabicPeriod"/>
+            </a:pPr>
             <a:r>
               <a:rPr lang="nl-BE" dirty="0"/>
-              <a:t>Model testen op echte data</a:t>
-            </a:r>
-          </a:p>
-          <a:p>
+              <a:t>Probleemstelling</a:t>
+            </a:r>
+          </a:p>
+          <a:p>
+            <a:pPr marL="457200" indent="-457200">
+              <a:buFont typeface="+mj-lt"/>
+              <a:buAutoNum type="arabicPeriod"/>
+            </a:pPr>
             <a:r>
               <a:rPr lang="nl-BE" dirty="0"/>
-              <a:t>Model verbeteren</a:t>
-            </a:r>
-          </a:p>
-          <a:p>
+              <a:t>Benodigdheden</a:t>
+            </a:r>
+          </a:p>
+          <a:p>
+            <a:pPr marL="457200" indent="-457200">
+              <a:buFont typeface="+mj-lt"/>
+              <a:buAutoNum type="arabicPeriod"/>
+            </a:pPr>
             <a:r>
               <a:rPr lang="nl-BE" dirty="0"/>
-              <a:t>Model op fiets zetten</a:t>
+              <a:t>Preprocessing</a:t>
+            </a:r>
+          </a:p>
+          <a:p>
+            <a:pPr marL="457200" indent="-457200">
+              <a:buFont typeface="+mj-lt"/>
+              <a:buAutoNum type="arabicPeriod"/>
+            </a:pPr>
+            <a:r>
+              <a:rPr lang="nl-BE" dirty="0"/>
+              <a:t>Modellen</a:t>
+            </a:r>
+          </a:p>
+          <a:p>
+            <a:pPr marL="457200" indent="-457200">
+              <a:buFont typeface="+mj-lt"/>
+              <a:buAutoNum type="arabicPeriod"/>
+            </a:pPr>
+            <a:r>
+              <a:rPr lang="nl-BE" dirty="0"/>
+              <a:t>Postprocessing</a:t>
+            </a:r>
+          </a:p>
+          <a:p>
+            <a:pPr marL="457200" indent="-457200">
+              <a:buFont typeface="+mj-lt"/>
+              <a:buAutoNum type="arabicPeriod"/>
+            </a:pPr>
+            <a:r>
+              <a:rPr lang="nl-BE" b="1" dirty="0"/>
+              <a:t>Wat volgt?</a:t>
             </a:r>
           </a:p>
           <a:p>
@@ -10358,7 +10484,7 @@
           <p:cNvPr id="3" name="Footer Placeholder 2">
             <a:extLst>
               <a:ext uri="{FF2B5EF4-FFF2-40B4-BE49-F238E27FC236}">
-                <a16:creationId xmlns:a16="http://schemas.microsoft.com/office/drawing/2014/main" id="{D707D3C7-03AE-424E-9DE7-CFA014B7CABB}"/>
+                <a16:creationId xmlns:a16="http://schemas.microsoft.com/office/drawing/2014/main" id="{7A3CD487-6CCF-4DA5-B1C4-D7B38EF3E696}"/>
               </a:ext>
             </a:extLst>
           </p:cNvPr>
@@ -10386,7 +10512,7 @@
           <p:cNvPr id="4" name="Slide Number Placeholder 3">
             <a:extLst>
               <a:ext uri="{FF2B5EF4-FFF2-40B4-BE49-F238E27FC236}">
-                <a16:creationId xmlns:a16="http://schemas.microsoft.com/office/drawing/2014/main" id="{340EEC61-56CA-41CB-8E0A-17E39D74EFE7}"/>
+                <a16:creationId xmlns:a16="http://schemas.microsoft.com/office/drawing/2014/main" id="{F7543B35-CCFD-4389-AA8D-F8CD75C835A7}"/>
               </a:ext>
             </a:extLst>
           </p:cNvPr>
@@ -10405,6 +10531,164 @@
             <a:fld id="{0A297500-7527-634B-90F4-69D0994C32B4}" type="slidenum">
               <a:rPr lang="nl-NL" smtClean="0"/>
               <a:t>26</a:t>
+            </a:fld>
+            <a:endParaRPr lang="nl-NL"/>
+          </a:p>
+        </p:txBody>
+      </p:sp>
+      <p:sp>
+        <p:nvSpPr>
+          <p:cNvPr id="5" name="Title 4">
+            <a:extLst>
+              <a:ext uri="{FF2B5EF4-FFF2-40B4-BE49-F238E27FC236}">
+                <a16:creationId xmlns:a16="http://schemas.microsoft.com/office/drawing/2014/main" id="{1AFDC5E9-DB71-455B-860C-0C695D25F72A}"/>
+              </a:ext>
+            </a:extLst>
+          </p:cNvPr>
+          <p:cNvSpPr>
+            <a:spLocks noGrp="1"/>
+          </p:cNvSpPr>
+          <p:nvPr>
+            <p:ph type="title"/>
+          </p:nvPr>
+        </p:nvSpPr>
+        <p:spPr/>
+        <p:txBody>
+          <a:bodyPr/>
+          <a:lstStyle/>
+          <a:p>
+            <a:r>
+              <a:rPr lang="nl-BE" dirty="0"/>
+              <a:t>Content</a:t>
+            </a:r>
+          </a:p>
+        </p:txBody>
+      </p:sp>
+    </p:spTree>
+    <p:extLst>
+      <p:ext uri="{BB962C8B-B14F-4D97-AF65-F5344CB8AC3E}">
+        <p14:creationId xmlns:p14="http://schemas.microsoft.com/office/powerpoint/2010/main" val="2064249319"/>
+      </p:ext>
+    </p:extLst>
+  </p:cSld>
+  <p:clrMapOvr>
+    <a:masterClrMapping/>
+  </p:clrMapOvr>
+</p:sld>
+</file>
+
+<file path=ppt/slides/slide27.xml><?xml version="1.0" encoding="utf-8"?>
+<p:sld xmlns:a="http://schemas.openxmlformats.org/drawingml/2006/main" xmlns:r="http://schemas.openxmlformats.org/officeDocument/2006/relationships" xmlns:p="http://schemas.openxmlformats.org/presentationml/2006/main">
+  <p:cSld>
+    <p:spTree>
+      <p:nvGrpSpPr>
+        <p:cNvPr id="1" name=""/>
+        <p:cNvGrpSpPr/>
+        <p:nvPr/>
+      </p:nvGrpSpPr>
+      <p:grpSpPr>
+        <a:xfrm>
+          <a:off x="0" y="0"/>
+          <a:ext cx="0" cy="0"/>
+          <a:chOff x="0" y="0"/>
+          <a:chExt cx="0" cy="0"/>
+        </a:xfrm>
+      </p:grpSpPr>
+      <p:sp>
+        <p:nvSpPr>
+          <p:cNvPr id="2" name="Content Placeholder 1">
+            <a:extLst>
+              <a:ext uri="{FF2B5EF4-FFF2-40B4-BE49-F238E27FC236}">
+                <a16:creationId xmlns:a16="http://schemas.microsoft.com/office/drawing/2014/main" id="{12CA7EB7-AB77-4724-B035-34BC542AEA3A}"/>
+              </a:ext>
+            </a:extLst>
+          </p:cNvPr>
+          <p:cNvSpPr>
+            <a:spLocks noGrp="1"/>
+          </p:cNvSpPr>
+          <p:nvPr>
+            <p:ph idx="1"/>
+          </p:nvPr>
+        </p:nvSpPr>
+        <p:spPr/>
+        <p:txBody>
+          <a:bodyPr/>
+          <a:lstStyle/>
+          <a:p>
+            <a:r>
+              <a:rPr lang="nl-BE" dirty="0"/>
+              <a:t>Model testen op echte data</a:t>
+            </a:r>
+          </a:p>
+          <a:p>
+            <a:r>
+              <a:rPr lang="nl-BE" dirty="0"/>
+              <a:t>Model verbeteren</a:t>
+            </a:r>
+          </a:p>
+          <a:p>
+            <a:r>
+              <a:rPr lang="nl-BE" dirty="0"/>
+              <a:t>Model op fiets zetten</a:t>
+            </a:r>
+          </a:p>
+          <a:p>
+            <a:endParaRPr lang="nl-BE" dirty="0"/>
+          </a:p>
+        </p:txBody>
+      </p:sp>
+      <p:sp>
+        <p:nvSpPr>
+          <p:cNvPr id="3" name="Footer Placeholder 2">
+            <a:extLst>
+              <a:ext uri="{FF2B5EF4-FFF2-40B4-BE49-F238E27FC236}">
+                <a16:creationId xmlns:a16="http://schemas.microsoft.com/office/drawing/2014/main" id="{D707D3C7-03AE-424E-9DE7-CFA014B7CABB}"/>
+              </a:ext>
+            </a:extLst>
+          </p:cNvPr>
+          <p:cNvSpPr>
+            <a:spLocks noGrp="1"/>
+          </p:cNvSpPr>
+          <p:nvPr>
+            <p:ph type="ftr" sz="quarter" idx="11"/>
+          </p:nvPr>
+        </p:nvSpPr>
+        <p:spPr/>
+        <p:txBody>
+          <a:bodyPr/>
+          <a:lstStyle/>
+          <a:p>
+            <a:r>
+              <a:rPr lang="nl-NL"/>
+              <a:t>Faculteit Wetenschappen, Departement Computerwetenschappen</a:t>
+            </a:r>
+          </a:p>
+        </p:txBody>
+      </p:sp>
+      <p:sp>
+        <p:nvSpPr>
+          <p:cNvPr id="4" name="Slide Number Placeholder 3">
+            <a:extLst>
+              <a:ext uri="{FF2B5EF4-FFF2-40B4-BE49-F238E27FC236}">
+                <a16:creationId xmlns:a16="http://schemas.microsoft.com/office/drawing/2014/main" id="{340EEC61-56CA-41CB-8E0A-17E39D74EFE7}"/>
+              </a:ext>
+            </a:extLst>
+          </p:cNvPr>
+          <p:cNvSpPr>
+            <a:spLocks noGrp="1"/>
+          </p:cNvSpPr>
+          <p:nvPr>
+            <p:ph type="sldNum" sz="quarter" idx="12"/>
+          </p:nvPr>
+        </p:nvSpPr>
+        <p:spPr/>
+        <p:txBody>
+          <a:bodyPr/>
+          <a:lstStyle/>
+          <a:p>
+            <a:fld id="{0A297500-7527-634B-90F4-69D0994C32B4}" type="slidenum">
+              <a:rPr lang="nl-NL" smtClean="0"/>
+              <a:t>27</a:t>
             </a:fld>
             <a:endParaRPr lang="nl-NL"/>
           </a:p>
@@ -11512,10 +11796,10 @@
       </p:sp>
       <p:pic>
         <p:nvPicPr>
-          <p:cNvPr id="7" name="Picture 6">
-            <a:extLst>
-              <a:ext uri="{FF2B5EF4-FFF2-40B4-BE49-F238E27FC236}">
-                <a16:creationId xmlns:a16="http://schemas.microsoft.com/office/drawing/2014/main" id="{9C7DDD03-503B-45EE-BF7F-02F18F4D956B}"/>
+          <p:cNvPr id="8" name="Picture 7">
+            <a:extLst>
+              <a:ext uri="{FF2B5EF4-FFF2-40B4-BE49-F238E27FC236}">
+                <a16:creationId xmlns:a16="http://schemas.microsoft.com/office/drawing/2014/main" id="{42DB622F-BE51-4B7D-9BEC-EBDF9AECA850}"/>
               </a:ext>
             </a:extLst>
           </p:cNvPr>
@@ -11532,8 +11816,8 @@
         </p:blipFill>
         <p:spPr>
           <a:xfrm>
-            <a:off x="5481774" y="1142681"/>
-            <a:ext cx="6096851" cy="4572638"/>
+            <a:off x="5521200" y="1143000"/>
+            <a:ext cx="6096000" cy="4572000"/>
           </a:xfrm>
           <a:prstGeom prst="rect">
             <a:avLst/>

--- a/Real-Time Cadansaanpassing in een Automatische Fietstransmissie2.0.pptx
+++ b/Real-Time Cadansaanpassing in een Automatische Fietstransmissie2.0.pptx
@@ -266,7 +266,7 @@
           <a:p>
             <a:fld id="{8F591CCF-F6FD-734B-854A-5BC033593B1E}" type="datetimeFigureOut">
               <a:rPr lang="nl-NL" smtClean="0"/>
-              <a:t>16-12-2018</a:t>
+              <a:t>17-12-2018</a:t>
             </a:fld>
             <a:endParaRPr lang="nl-NL"/>
           </a:p>
@@ -431,7 +431,7 @@
           <a:p>
             <a:fld id="{23C66214-DB21-4647-B5DA-0D17CA592867}" type="datetimeFigureOut">
               <a:rPr lang="nl-NL" smtClean="0"/>
-              <a:t>16-12-2018</a:t>
+              <a:t>17-12-2018</a:t>
             </a:fld>
             <a:endParaRPr lang="nl-NL"/>
           </a:p>
@@ -1420,7 +1420,7 @@
           <a:p>
             <a:fld id="{C09EA886-85E2-45CD-A0E5-ECFC4717866C}" type="datetime1">
               <a:rPr lang="nl-BE" smtClean="0"/>
-              <a:t>16/12/2018</a:t>
+              <a:t>17/12/2018</a:t>
             </a:fld>
             <a:endParaRPr lang="nl-NL"/>
           </a:p>
@@ -1703,7 +1703,7 @@
           <a:p>
             <a:fld id="{DDB23B2A-8A39-4970-8386-180A15207335}" type="datetime1">
               <a:rPr lang="nl-BE" smtClean="0"/>
-              <a:t>16/12/2018</a:t>
+              <a:t>17/12/2018</a:t>
             </a:fld>
             <a:endParaRPr lang="nl-NL"/>
           </a:p>
@@ -2033,7 +2033,7 @@
           <a:p>
             <a:fld id="{823352FD-F622-43D4-BA4A-9D35F096A934}" type="datetime1">
               <a:rPr lang="nl-BE" smtClean="0"/>
-              <a:t>16/12/2018</a:t>
+              <a:t>17/12/2018</a:t>
             </a:fld>
             <a:endParaRPr lang="nl-NL"/>
           </a:p>
@@ -2353,7 +2353,7 @@
           <a:p>
             <a:fld id="{D6D796BF-9B99-4036-948B-01D5A0559DCA}" type="datetime1">
               <a:rPr lang="nl-BE" smtClean="0"/>
-              <a:t>16/12/2018</a:t>
+              <a:t>17/12/2018</a:t>
             </a:fld>
             <a:endParaRPr lang="nl-NL" dirty="0"/>
           </a:p>
@@ -2674,7 +2674,7 @@
           <a:p>
             <a:fld id="{B34EAD62-348D-4264-9C99-9232C17D3126}" type="datetime1">
               <a:rPr lang="nl-BE" smtClean="0"/>
-              <a:t>16/12/2018</a:t>
+              <a:t>17/12/2018</a:t>
             </a:fld>
             <a:endParaRPr lang="nl-NL" dirty="0"/>
           </a:p>
@@ -2816,7 +2816,7 @@
           <a:p>
             <a:fld id="{BAA21046-B277-402B-8F93-07646078DA0E}" type="datetime1">
               <a:rPr lang="nl-BE" smtClean="0"/>
-              <a:t>16/12/2018</a:t>
+              <a:t>17/12/2018</a:t>
             </a:fld>
             <a:endParaRPr lang="nl-NL"/>
           </a:p>
@@ -3300,7 +3300,7 @@
           <a:p>
             <a:fld id="{21E03648-662E-4B1E-A4B9-DAFAA411CA72}" type="datetime1">
               <a:rPr lang="nl-BE" smtClean="0"/>
-              <a:t>16/12/2018</a:t>
+              <a:t>17/12/2018</a:t>
             </a:fld>
             <a:endParaRPr lang="nl-NL" dirty="0"/>
           </a:p>
@@ -3421,7 +3421,7 @@
           <a:p>
             <a:fld id="{CA7D9F3D-CC80-4B7A-9418-FC428A3D98F9}" type="datetime1">
               <a:rPr lang="nl-BE" smtClean="0"/>
-              <a:t>16/12/2018</a:t>
+              <a:t>17/12/2018</a:t>
             </a:fld>
             <a:endParaRPr lang="nl-NL"/>
           </a:p>
@@ -3542,7 +3542,7 @@
           <a:p>
             <a:fld id="{D0BE373E-6873-4A3B-A29F-548CC9FCCE0D}" type="datetime1">
               <a:rPr lang="nl-BE" smtClean="0"/>
-              <a:t>16/12/2018</a:t>
+              <a:t>17/12/2018</a:t>
             </a:fld>
             <a:endParaRPr lang="nl-NL"/>
           </a:p>
@@ -3724,7 +3724,7 @@
           <a:p>
             <a:fld id="{2AC5A35D-2289-4820-83DC-B1C0114FF41C}" type="datetime1">
               <a:rPr lang="nl-BE" smtClean="0"/>
-              <a:t>16/12/2018</a:t>
+              <a:t>17/12/2018</a:t>
             </a:fld>
             <a:endParaRPr lang="nl-NL" dirty="0"/>
           </a:p>
@@ -4008,7 +4008,7 @@
           <a:p>
             <a:fld id="{07AFB116-F0AC-40E0-96E1-23007D0A2895}" type="datetime1">
               <a:rPr lang="nl-BE" smtClean="0"/>
-              <a:t>16/12/2018</a:t>
+              <a:t>17/12/2018</a:t>
             </a:fld>
             <a:endParaRPr lang="nl-NL" dirty="0"/>
           </a:p>
@@ -4649,7 +4649,7 @@
           <a:p>
             <a:fld id="{FE8AB726-EA72-4E74-8E27-5E29D4D87BE7}" type="datetime1">
               <a:rPr lang="nl-BE" smtClean="0"/>
-              <a:t>16/12/2018</a:t>
+              <a:t>17/12/2018</a:t>
             </a:fld>
             <a:endParaRPr lang="nl-NL" dirty="0"/>
           </a:p>
@@ -9610,8 +9610,13 @@
           <a:p>
             <a:r>
               <a:rPr lang="nl-BE" dirty="0"/>
-              <a:t>Geen preprocessing</a:t>
-            </a:r>
+              <a:t>Geen p</a:t>
+            </a:r>
+            <a:r>
+              <a:rPr lang="en-US" dirty="0" err="1"/>
+              <a:t>ostprocessing</a:t>
+            </a:r>
+            <a:endParaRPr lang="nl-BE" dirty="0"/>
           </a:p>
         </p:txBody>
       </p:sp>

--- a/Real-Time Cadansaanpassing in een Automatische Fietstransmissie2.0.pptx
+++ b/Real-Time Cadansaanpassing in een Automatische Fietstransmissie2.0.pptx
@@ -10136,8 +10136,8 @@
           </a:p>
         </p:txBody>
       </p:sp>
-      <mc:AlternateContent xmlns:mc="http://schemas.openxmlformats.org/markup-compatibility/2006" xmlns:a14="http://schemas.microsoft.com/office/drawing/2010/main">
-        <mc:Choice Requires="a14">
+      <mc:AlternateContent xmlns:mc="http://schemas.openxmlformats.org/markup-compatibility/2006">
+        <mc:Choice xmlns:a14="http://schemas.microsoft.com/office/drawing/2010/main" Requires="a14">
           <p:sp>
             <p:nvSpPr>
               <p:cNvPr id="8" name="TextBox 7">
@@ -10152,8 +10152,8 @@
             </p:nvSpPr>
             <p:spPr>
               <a:xfrm>
-                <a:off x="4427770" y="1437311"/>
-                <a:ext cx="3533314" cy="369332"/>
+                <a:off x="4427769" y="1437311"/>
+                <a:ext cx="3723453" cy="369332"/>
               </a:xfrm>
               <a:prstGeom prst="rect">
                 <a:avLst/>
@@ -10307,7 +10307,7 @@
                               <a:latin typeface="Cambria Math" panose="02040503050406030204" pitchFamily="18" charset="0"/>
                               <a:ea typeface="Cambria Math" panose="02040503050406030204" pitchFamily="18" charset="0"/>
                             </a:rPr>
-                            <m:t>𝑠</m:t>
+                            <m:t>𝑟𝑝𝑚</m:t>
                           </m:r>
                         </m:e>
                         <m:sub>
@@ -10342,7 +10342,7 @@
             </p:txBody>
           </p:sp>
         </mc:Choice>
-        <mc:Fallback xmlns="">
+        <mc:Fallback>
           <p:sp>
             <p:nvSpPr>
               <p:cNvPr id="8" name="TextBox 7">
@@ -10359,8 +10359,8 @@
             </p:nvSpPr>
             <p:spPr>
               <a:xfrm>
-                <a:off x="4427770" y="1437311"/>
-                <a:ext cx="3533314" cy="369332"/>
+                <a:off x="4427769" y="1437311"/>
+                <a:ext cx="3723453" cy="369332"/>
               </a:xfrm>
               <a:prstGeom prst="rect">
                 <a:avLst/>
